--- a/lectures/week_5_tests/le_5_tests.pptx
+++ b/lectures/week_5_tests/le_5_tests.pptx
@@ -231,7 +231,7 @@
           <a:p>
             <a:fld id="{6EBC5869-D15C-3840-B050-90A5C35E6518}" type="datetimeFigureOut">
               <a:rPr lang="en-US" smtClean="0"/>
-              <a:t>2/20/20</a:t>
+              <a:t>2/15/21</a:t>
             </a:fld>
             <a:endParaRPr lang="en-US"/>
           </a:p>
@@ -1159,7 +1159,7 @@
           <a:p>
             <a:fld id="{7D5693D1-C5E8-7D40-8B0E-476CF8AD55E4}" type="datetimeFigureOut">
               <a:rPr lang="en-US" smtClean="0"/>
-              <a:t>2/20/20</a:t>
+              <a:t>2/15/21</a:t>
             </a:fld>
             <a:endParaRPr lang="en-US"/>
           </a:p>
@@ -1327,7 +1327,7 @@
           <a:p>
             <a:fld id="{7D5693D1-C5E8-7D40-8B0E-476CF8AD55E4}" type="datetimeFigureOut">
               <a:rPr lang="en-US" smtClean="0"/>
-              <a:t>2/20/20</a:t>
+              <a:t>2/15/21</a:t>
             </a:fld>
             <a:endParaRPr lang="en-US"/>
           </a:p>
@@ -1505,7 +1505,7 @@
           <a:p>
             <a:fld id="{7D5693D1-C5E8-7D40-8B0E-476CF8AD55E4}" type="datetimeFigureOut">
               <a:rPr lang="en-US" smtClean="0"/>
-              <a:t>2/20/20</a:t>
+              <a:t>2/15/21</a:t>
             </a:fld>
             <a:endParaRPr lang="en-US"/>
           </a:p>
@@ -1673,7 +1673,7 @@
           <a:p>
             <a:fld id="{7D5693D1-C5E8-7D40-8B0E-476CF8AD55E4}" type="datetimeFigureOut">
               <a:rPr lang="en-US" smtClean="0"/>
-              <a:t>2/20/20</a:t>
+              <a:t>2/15/21</a:t>
             </a:fld>
             <a:endParaRPr lang="en-US"/>
           </a:p>
@@ -1918,7 +1918,7 @@
           <a:p>
             <a:fld id="{7D5693D1-C5E8-7D40-8B0E-476CF8AD55E4}" type="datetimeFigureOut">
               <a:rPr lang="en-US" smtClean="0"/>
-              <a:t>2/20/20</a:t>
+              <a:t>2/15/21</a:t>
             </a:fld>
             <a:endParaRPr lang="en-US"/>
           </a:p>
@@ -2147,7 +2147,7 @@
           <a:p>
             <a:fld id="{7D5693D1-C5E8-7D40-8B0E-476CF8AD55E4}" type="datetimeFigureOut">
               <a:rPr lang="en-US" smtClean="0"/>
-              <a:t>2/20/20</a:t>
+              <a:t>2/15/21</a:t>
             </a:fld>
             <a:endParaRPr lang="en-US"/>
           </a:p>
@@ -2511,7 +2511,7 @@
           <a:p>
             <a:fld id="{7D5693D1-C5E8-7D40-8B0E-476CF8AD55E4}" type="datetimeFigureOut">
               <a:rPr lang="en-US" smtClean="0"/>
-              <a:t>2/20/20</a:t>
+              <a:t>2/15/21</a:t>
             </a:fld>
             <a:endParaRPr lang="en-US"/>
           </a:p>
@@ -2628,7 +2628,7 @@
           <a:p>
             <a:fld id="{7D5693D1-C5E8-7D40-8B0E-476CF8AD55E4}" type="datetimeFigureOut">
               <a:rPr lang="en-US" smtClean="0"/>
-              <a:t>2/20/20</a:t>
+              <a:t>2/15/21</a:t>
             </a:fld>
             <a:endParaRPr lang="en-US"/>
           </a:p>
@@ -2723,7 +2723,7 @@
           <a:p>
             <a:fld id="{7D5693D1-C5E8-7D40-8B0E-476CF8AD55E4}" type="datetimeFigureOut">
               <a:rPr lang="en-US" smtClean="0"/>
-              <a:t>2/20/20</a:t>
+              <a:t>2/15/21</a:t>
             </a:fld>
             <a:endParaRPr lang="en-US"/>
           </a:p>
@@ -2998,7 +2998,7 @@
           <a:p>
             <a:fld id="{7D5693D1-C5E8-7D40-8B0E-476CF8AD55E4}" type="datetimeFigureOut">
               <a:rPr lang="en-US" smtClean="0"/>
-              <a:t>2/20/20</a:t>
+              <a:t>2/15/21</a:t>
             </a:fld>
             <a:endParaRPr lang="en-US"/>
           </a:p>
@@ -3250,7 +3250,7 @@
           <a:p>
             <a:fld id="{7D5693D1-C5E8-7D40-8B0E-476CF8AD55E4}" type="datetimeFigureOut">
               <a:rPr lang="en-US" smtClean="0"/>
-              <a:t>2/20/20</a:t>
+              <a:t>2/15/21</a:t>
             </a:fld>
             <a:endParaRPr lang="en-US"/>
           </a:p>
@@ -3461,7 +3461,7 @@
           <a:p>
             <a:fld id="{7D5693D1-C5E8-7D40-8B0E-476CF8AD55E4}" type="datetimeFigureOut">
               <a:rPr lang="en-US" smtClean="0"/>
-              <a:t>2/20/20</a:t>
+              <a:t>2/15/21</a:t>
             </a:fld>
             <a:endParaRPr lang="en-US"/>
           </a:p>
@@ -5204,20 +5204,28 @@
         <p:spPr/>
         <p:txBody>
           <a:bodyPr>
-            <a:normAutofit fontScale="92500" lnSpcReduction="10000"/>
+            <a:normAutofit fontScale="92500"/>
           </a:bodyPr>
           <a:lstStyle/>
           <a:p>
             <a:r>
               <a:rPr lang="en-US" dirty="0"/>
-              <a:t>Canceled classes:</a:t>
+              <a:t>Schedule:</a:t>
             </a:r>
           </a:p>
           <a:p>
             <a:pPr lvl="1"/>
             <a:r>
               <a:rPr lang="en-US" dirty="0"/>
-              <a:t>Thursday Feb 27</a:t>
+              <a:t>Tues Feb 23</a:t>
+            </a:r>
+            <a:r>
+              <a:rPr lang="en-US" baseline="30000" dirty="0"/>
+              <a:t>rd</a:t>
+            </a:r>
+            <a:r>
+              <a:rPr lang="en-US" dirty="0"/>
+              <a:t>: Distributions; Thursday Feb 25</a:t>
             </a:r>
             <a:r>
               <a:rPr lang="en-US" baseline="30000" dirty="0"/>
@@ -5225,6 +5233,21 @@
             </a:r>
             <a:r>
               <a:rPr lang="en-US" dirty="0"/>
+              <a:t> : Spring Break Day</a:t>
+            </a:r>
+          </a:p>
+          <a:p>
+            <a:pPr lvl="1"/>
+            <a:r>
+              <a:rPr lang="en-US" dirty="0"/>
+              <a:t>Tuesday March 2</a:t>
+            </a:r>
+            <a:r>
+              <a:rPr lang="en-US" baseline="30000" dirty="0"/>
+              <a:t>nd</a:t>
+            </a:r>
+            <a:r>
+              <a:rPr lang="en-US" dirty="0"/>
               <a:t> </a:t>
             </a:r>
             <a:r>
@@ -5236,29 +5259,6 @@
             <a:pPr lvl="1"/>
             <a:r>
               <a:rPr lang="en-US" dirty="0"/>
-              <a:t>Tuesday March 3</a:t>
-            </a:r>
-            <a:r>
-              <a:rPr lang="en-US" baseline="30000" dirty="0"/>
-              <a:t>rd</a:t>
-            </a:r>
-            <a:r>
-              <a:rPr lang="en-US" dirty="0"/>
-              <a:t> </a:t>
-            </a:r>
-            <a:r>
-              <a:rPr lang="en-US" b="1" dirty="0"/>
-              <a:t>class will not be held</a:t>
-            </a:r>
-            <a:br>
-              <a:rPr lang="en-US" b="1" dirty="0"/>
-            </a:br>
-            <a:endParaRPr lang="en-US" b="1" dirty="0"/>
-          </a:p>
-          <a:p>
-            <a:pPr lvl="1"/>
-            <a:r>
-              <a:rPr lang="en-US" dirty="0"/>
               <a:t>Use this time to read:</a:t>
             </a:r>
           </a:p>
@@ -5300,26 +5300,40 @@
             </a:r>
           </a:p>
           <a:p>
-            <a:pPr lvl="2"/>
-            <a:r>
-              <a:rPr lang="en-US" dirty="0"/>
-              <a:t>3) Vote (on Tuesday)</a:t>
-            </a:r>
-          </a:p>
-          <a:p>
-            <a:pPr marL="914400" lvl="2" indent="0">
-              <a:buNone/>
-            </a:pPr>
-            <a:br>
-              <a:rPr lang="en-US" dirty="0"/>
-            </a:br>
-            <a:endParaRPr lang="en-US" dirty="0"/>
-          </a:p>
-          <a:p>
             <a:pPr lvl="1"/>
             <a:r>
               <a:rPr lang="en-US" b="1" u="sng" dirty="0"/>
               <a:t>Thursday Mar 5th class: Dr. Josef Uyeda discussing working with phylogenies in R</a:t>
+            </a:r>
+          </a:p>
+          <a:p>
+            <a:pPr lvl="1"/>
+            <a:r>
+              <a:rPr lang="en-US" dirty="0"/>
+              <a:t>Tuesday Mar 9</a:t>
+            </a:r>
+            <a:r>
+              <a:rPr lang="en-US" baseline="30000" dirty="0"/>
+              <a:t>th</a:t>
+            </a:r>
+            <a:r>
+              <a:rPr lang="en-US" dirty="0"/>
+              <a:t>: recorded lecture, we will not meet in person; we will meet on Thurs</a:t>
+            </a:r>
+          </a:p>
+          <a:p>
+            <a:pPr lvl="1"/>
+            <a:r>
+              <a:rPr lang="en-US" dirty="0"/>
+              <a:t>Tuesday Mar 16</a:t>
+            </a:r>
+            <a:r>
+              <a:rPr lang="en-US" baseline="30000" dirty="0"/>
+              <a:t>th</a:t>
+            </a:r>
+            <a:r>
+              <a:rPr lang="en-US" dirty="0"/>
+              <a:t>: most likely will record this lecture, but be on during class time for q’s and office hours</a:t>
             </a:r>
             <a:br>
               <a:rPr lang="en-US" b="1" u="sng" dirty="0"/>

--- a/lectures/week_5_tests/le_5_tests.pptx
+++ b/lectures/week_5_tests/le_5_tests.pptx
@@ -231,7 +231,7 @@
           <a:p>
             <a:fld id="{6EBC5869-D15C-3840-B050-90A5C35E6518}" type="datetimeFigureOut">
               <a:rPr lang="en-US" smtClean="0"/>
-              <a:t>2/15/21</a:t>
+              <a:t>2/16/21</a:t>
             </a:fld>
             <a:endParaRPr lang="en-US"/>
           </a:p>
@@ -1159,7 +1159,7 @@
           <a:p>
             <a:fld id="{7D5693D1-C5E8-7D40-8B0E-476CF8AD55E4}" type="datetimeFigureOut">
               <a:rPr lang="en-US" smtClean="0"/>
-              <a:t>2/15/21</a:t>
+              <a:t>2/16/21</a:t>
             </a:fld>
             <a:endParaRPr lang="en-US"/>
           </a:p>
@@ -1327,7 +1327,7 @@
           <a:p>
             <a:fld id="{7D5693D1-C5E8-7D40-8B0E-476CF8AD55E4}" type="datetimeFigureOut">
               <a:rPr lang="en-US" smtClean="0"/>
-              <a:t>2/15/21</a:t>
+              <a:t>2/16/21</a:t>
             </a:fld>
             <a:endParaRPr lang="en-US"/>
           </a:p>
@@ -1505,7 +1505,7 @@
           <a:p>
             <a:fld id="{7D5693D1-C5E8-7D40-8B0E-476CF8AD55E4}" type="datetimeFigureOut">
               <a:rPr lang="en-US" smtClean="0"/>
-              <a:t>2/15/21</a:t>
+              <a:t>2/16/21</a:t>
             </a:fld>
             <a:endParaRPr lang="en-US"/>
           </a:p>
@@ -1673,7 +1673,7 @@
           <a:p>
             <a:fld id="{7D5693D1-C5E8-7D40-8B0E-476CF8AD55E4}" type="datetimeFigureOut">
               <a:rPr lang="en-US" smtClean="0"/>
-              <a:t>2/15/21</a:t>
+              <a:t>2/16/21</a:t>
             </a:fld>
             <a:endParaRPr lang="en-US"/>
           </a:p>
@@ -1918,7 +1918,7 @@
           <a:p>
             <a:fld id="{7D5693D1-C5E8-7D40-8B0E-476CF8AD55E4}" type="datetimeFigureOut">
               <a:rPr lang="en-US" smtClean="0"/>
-              <a:t>2/15/21</a:t>
+              <a:t>2/16/21</a:t>
             </a:fld>
             <a:endParaRPr lang="en-US"/>
           </a:p>
@@ -2147,7 +2147,7 @@
           <a:p>
             <a:fld id="{7D5693D1-C5E8-7D40-8B0E-476CF8AD55E4}" type="datetimeFigureOut">
               <a:rPr lang="en-US" smtClean="0"/>
-              <a:t>2/15/21</a:t>
+              <a:t>2/16/21</a:t>
             </a:fld>
             <a:endParaRPr lang="en-US"/>
           </a:p>
@@ -2511,7 +2511,7 @@
           <a:p>
             <a:fld id="{7D5693D1-C5E8-7D40-8B0E-476CF8AD55E4}" type="datetimeFigureOut">
               <a:rPr lang="en-US" smtClean="0"/>
-              <a:t>2/15/21</a:t>
+              <a:t>2/16/21</a:t>
             </a:fld>
             <a:endParaRPr lang="en-US"/>
           </a:p>
@@ -2628,7 +2628,7 @@
           <a:p>
             <a:fld id="{7D5693D1-C5E8-7D40-8B0E-476CF8AD55E4}" type="datetimeFigureOut">
               <a:rPr lang="en-US" smtClean="0"/>
-              <a:t>2/15/21</a:t>
+              <a:t>2/16/21</a:t>
             </a:fld>
             <a:endParaRPr lang="en-US"/>
           </a:p>
@@ -2723,7 +2723,7 @@
           <a:p>
             <a:fld id="{7D5693D1-C5E8-7D40-8B0E-476CF8AD55E4}" type="datetimeFigureOut">
               <a:rPr lang="en-US" smtClean="0"/>
-              <a:t>2/15/21</a:t>
+              <a:t>2/16/21</a:t>
             </a:fld>
             <a:endParaRPr lang="en-US"/>
           </a:p>
@@ -2998,7 +2998,7 @@
           <a:p>
             <a:fld id="{7D5693D1-C5E8-7D40-8B0E-476CF8AD55E4}" type="datetimeFigureOut">
               <a:rPr lang="en-US" smtClean="0"/>
-              <a:t>2/15/21</a:t>
+              <a:t>2/16/21</a:t>
             </a:fld>
             <a:endParaRPr lang="en-US"/>
           </a:p>
@@ -3250,7 +3250,7 @@
           <a:p>
             <a:fld id="{7D5693D1-C5E8-7D40-8B0E-476CF8AD55E4}" type="datetimeFigureOut">
               <a:rPr lang="en-US" smtClean="0"/>
-              <a:t>2/15/21</a:t>
+              <a:t>2/16/21</a:t>
             </a:fld>
             <a:endParaRPr lang="en-US"/>
           </a:p>
@@ -3461,7 +3461,7 @@
           <a:p>
             <a:fld id="{7D5693D1-C5E8-7D40-8B0E-476CF8AD55E4}" type="datetimeFigureOut">
               <a:rPr lang="en-US" smtClean="0"/>
-              <a:t>2/15/21</a:t>
+              <a:t>2/16/21</a:t>
             </a:fld>
             <a:endParaRPr lang="en-US"/>
           </a:p>
@@ -4737,7 +4737,23 @@
             <a:pPr lvl="1"/>
             <a:r>
               <a:rPr lang="en-US" sz="2800" dirty="0"/>
-              <a:t>Using the geometric mean is equivalent to what transformation?</a:t>
+              <a:t>Using the geometric mean (the </a:t>
+            </a:r>
+            <a:r>
+              <a:rPr lang="en-US" sz="2800" i="1" dirty="0"/>
+              <a:t>nth</a:t>
+            </a:r>
+            <a:r>
+              <a:rPr lang="en-US" sz="2800" dirty="0"/>
+              <a:t> root of the product of </a:t>
+            </a:r>
+            <a:r>
+              <a:rPr lang="en-US" sz="2800" i="1" dirty="0"/>
+              <a:t>n </a:t>
+            </a:r>
+            <a:r>
+              <a:rPr lang="en-US" sz="2800" dirty="0"/>
+              <a:t>numbers) is equivalent to what transformation?</a:t>
             </a:r>
           </a:p>
           <a:p>
@@ -4971,7 +4987,15 @@
             </a:r>
             <a:r>
               <a:rPr lang="en-US" dirty="0"/>
-              <a:t>(B=9999))</a:t>
+              <a:t>(</a:t>
+            </a:r>
+            <a:r>
+              <a:rPr lang="en-US" dirty="0" err="1"/>
+              <a:t>nresample</a:t>
+            </a:r>
+            <a:r>
+              <a:rPr lang="en-US" dirty="0"/>
+              <a:t>=9999))</a:t>
             </a:r>
           </a:p>
           <a:p>
@@ -6526,7 +6550,7 @@
         </p:spPr>
         <p:txBody>
           <a:bodyPr>
-            <a:normAutofit lnSpcReduction="10000"/>
+            <a:normAutofit fontScale="92500" lnSpcReduction="20000"/>
           </a:bodyPr>
           <a:lstStyle/>
           <a:p>
@@ -6558,6 +6582,15 @@
             <a:r>
               <a:rPr lang="en-US" dirty="0"/>
               <a:t>Salt intake and growth, fat and weight, temperature and infection, pavement and number of humans, number of frogs and number of fish</a:t>
+            </a:r>
+          </a:p>
+          <a:p>
+            <a:endParaRPr lang="en-US" dirty="0"/>
+          </a:p>
+          <a:p>
+            <a:r>
+              <a:rPr lang="en-US" dirty="0"/>
+              <a:t>Go to R…</a:t>
             </a:r>
           </a:p>
           <a:p>
@@ -6855,7 +6888,9 @@
         </p:nvSpPr>
         <p:spPr/>
         <p:txBody>
-          <a:bodyPr/>
+          <a:bodyPr>
+            <a:normAutofit fontScale="92500" lnSpcReduction="10000"/>
+          </a:bodyPr>
           <a:lstStyle/>
           <a:p>
             <a:r>
@@ -6870,6 +6905,15 @@
             <a:r>
               <a:rPr lang="en-US" dirty="0"/>
               <a:t>Interpretation: Null hypothesis is that the probability is equal. A p-value &lt; 0.05 tells you that the east and west sides differ in the probability of detecting condors</a:t>
+            </a:r>
+          </a:p>
+          <a:p>
+            <a:endParaRPr lang="en-US" dirty="0"/>
+          </a:p>
+          <a:p>
+            <a:r>
+              <a:rPr lang="en-US" dirty="0"/>
+              <a:t>Go to R…</a:t>
             </a:r>
           </a:p>
         </p:txBody>

--- a/lectures/week_5_tests/le_5_tests.pptx
+++ b/lectures/week_5_tests/le_5_tests.pptx
@@ -231,7 +231,7 @@
           <a:p>
             <a:fld id="{6EBC5869-D15C-3840-B050-90A5C35E6518}" type="datetimeFigureOut">
               <a:rPr lang="en-US" smtClean="0"/>
-              <a:t>2/16/21</a:t>
+              <a:t>2/23/21</a:t>
             </a:fld>
             <a:endParaRPr lang="en-US"/>
           </a:p>
@@ -1159,7 +1159,7 @@
           <a:p>
             <a:fld id="{7D5693D1-C5E8-7D40-8B0E-476CF8AD55E4}" type="datetimeFigureOut">
               <a:rPr lang="en-US" smtClean="0"/>
-              <a:t>2/16/21</a:t>
+              <a:t>2/23/21</a:t>
             </a:fld>
             <a:endParaRPr lang="en-US"/>
           </a:p>
@@ -1327,7 +1327,7 @@
           <a:p>
             <a:fld id="{7D5693D1-C5E8-7D40-8B0E-476CF8AD55E4}" type="datetimeFigureOut">
               <a:rPr lang="en-US" smtClean="0"/>
-              <a:t>2/16/21</a:t>
+              <a:t>2/23/21</a:t>
             </a:fld>
             <a:endParaRPr lang="en-US"/>
           </a:p>
@@ -1505,7 +1505,7 @@
           <a:p>
             <a:fld id="{7D5693D1-C5E8-7D40-8B0E-476CF8AD55E4}" type="datetimeFigureOut">
               <a:rPr lang="en-US" smtClean="0"/>
-              <a:t>2/16/21</a:t>
+              <a:t>2/23/21</a:t>
             </a:fld>
             <a:endParaRPr lang="en-US"/>
           </a:p>
@@ -1673,7 +1673,7 @@
           <a:p>
             <a:fld id="{7D5693D1-C5E8-7D40-8B0E-476CF8AD55E4}" type="datetimeFigureOut">
               <a:rPr lang="en-US" smtClean="0"/>
-              <a:t>2/16/21</a:t>
+              <a:t>2/23/21</a:t>
             </a:fld>
             <a:endParaRPr lang="en-US"/>
           </a:p>
@@ -1918,7 +1918,7 @@
           <a:p>
             <a:fld id="{7D5693D1-C5E8-7D40-8B0E-476CF8AD55E4}" type="datetimeFigureOut">
               <a:rPr lang="en-US" smtClean="0"/>
-              <a:t>2/16/21</a:t>
+              <a:t>2/23/21</a:t>
             </a:fld>
             <a:endParaRPr lang="en-US"/>
           </a:p>
@@ -2147,7 +2147,7 @@
           <a:p>
             <a:fld id="{7D5693D1-C5E8-7D40-8B0E-476CF8AD55E4}" type="datetimeFigureOut">
               <a:rPr lang="en-US" smtClean="0"/>
-              <a:t>2/16/21</a:t>
+              <a:t>2/23/21</a:t>
             </a:fld>
             <a:endParaRPr lang="en-US"/>
           </a:p>
@@ -2511,7 +2511,7 @@
           <a:p>
             <a:fld id="{7D5693D1-C5E8-7D40-8B0E-476CF8AD55E4}" type="datetimeFigureOut">
               <a:rPr lang="en-US" smtClean="0"/>
-              <a:t>2/16/21</a:t>
+              <a:t>2/23/21</a:t>
             </a:fld>
             <a:endParaRPr lang="en-US"/>
           </a:p>
@@ -2628,7 +2628,7 @@
           <a:p>
             <a:fld id="{7D5693D1-C5E8-7D40-8B0E-476CF8AD55E4}" type="datetimeFigureOut">
               <a:rPr lang="en-US" smtClean="0"/>
-              <a:t>2/16/21</a:t>
+              <a:t>2/23/21</a:t>
             </a:fld>
             <a:endParaRPr lang="en-US"/>
           </a:p>
@@ -2723,7 +2723,7 @@
           <a:p>
             <a:fld id="{7D5693D1-C5E8-7D40-8B0E-476CF8AD55E4}" type="datetimeFigureOut">
               <a:rPr lang="en-US" smtClean="0"/>
-              <a:t>2/16/21</a:t>
+              <a:t>2/23/21</a:t>
             </a:fld>
             <a:endParaRPr lang="en-US"/>
           </a:p>
@@ -2998,7 +2998,7 @@
           <a:p>
             <a:fld id="{7D5693D1-C5E8-7D40-8B0E-476CF8AD55E4}" type="datetimeFigureOut">
               <a:rPr lang="en-US" smtClean="0"/>
-              <a:t>2/16/21</a:t>
+              <a:t>2/23/21</a:t>
             </a:fld>
             <a:endParaRPr lang="en-US"/>
           </a:p>
@@ -3250,7 +3250,7 @@
           <a:p>
             <a:fld id="{7D5693D1-C5E8-7D40-8B0E-476CF8AD55E4}" type="datetimeFigureOut">
               <a:rPr lang="en-US" smtClean="0"/>
-              <a:t>2/16/21</a:t>
+              <a:t>2/23/21</a:t>
             </a:fld>
             <a:endParaRPr lang="en-US"/>
           </a:p>
@@ -3461,7 +3461,7 @@
           <a:p>
             <a:fld id="{7D5693D1-C5E8-7D40-8B0E-476CF8AD55E4}" type="datetimeFigureOut">
               <a:rPr lang="en-US" smtClean="0"/>
-              <a:t>2/16/21</a:t>
+              <a:t>2/23/21</a:t>
             </a:fld>
             <a:endParaRPr lang="en-US"/>
           </a:p>
@@ -5228,7 +5228,7 @@
         <p:spPr/>
         <p:txBody>
           <a:bodyPr>
-            <a:normAutofit fontScale="92500"/>
+            <a:normAutofit fontScale="92500" lnSpcReduction="10000"/>
           </a:bodyPr>
           <a:lstStyle/>
           <a:p>
@@ -5302,17 +5302,17 @@
             </a:r>
           </a:p>
           <a:p>
-            <a:pPr lvl="3"/>
-            <a:r>
-              <a:rPr lang="en-US" dirty="0"/>
-              <a:t>There will be a short quiz activity on canvas</a:t>
-            </a:r>
-          </a:p>
-          <a:p>
             <a:pPr lvl="2"/>
             <a:r>
               <a:rPr lang="en-US" dirty="0"/>
-              <a:t>2) </a:t>
+              <a:t>2) Take quiz (after reading chapter, open book)</a:t>
+            </a:r>
+          </a:p>
+          <a:p>
+            <a:pPr lvl="2"/>
+            <a:r>
+              <a:rPr lang="en-US" dirty="0"/>
+              <a:t>3) Read </a:t>
             </a:r>
             <a:r>
               <a:rPr lang="en-US" dirty="0" err="1"/>
@@ -5342,14 +5342,22 @@
             </a:r>
             <a:r>
               <a:rPr lang="en-US" dirty="0"/>
-              <a:t>: recorded lecture, we will not meet in person; we will meet on Thurs</a:t>
+              <a:t>: recorded lecture, we will </a:t>
+            </a:r>
+            <a:r>
+              <a:rPr lang="en-US" b="1" dirty="0"/>
+              <a:t>not</a:t>
+            </a:r>
+            <a:r>
+              <a:rPr lang="en-US" dirty="0"/>
+              <a:t> meet in person</a:t>
             </a:r>
           </a:p>
           <a:p>
             <a:pPr lvl="1"/>
             <a:r>
               <a:rPr lang="en-US" dirty="0"/>
-              <a:t>Tuesday Mar 16</a:t>
+              <a:t>Thurs Mar 11</a:t>
             </a:r>
             <a:r>
               <a:rPr lang="en-US" baseline="30000" dirty="0"/>
@@ -5357,7 +5365,37 @@
             </a:r>
             <a:r>
               <a:rPr lang="en-US" dirty="0"/>
-              <a:t>: most likely will record this lecture, but be on during class time for q’s and office hours</a:t>
+              <a:t>: Meet as usual </a:t>
+            </a:r>
+          </a:p>
+          <a:p>
+            <a:pPr lvl="1"/>
+            <a:r>
+              <a:rPr lang="en-US" dirty="0"/>
+              <a:t>Tuesday Mar 16</a:t>
+            </a:r>
+            <a:r>
+              <a:rPr lang="en-US" baseline="30000" dirty="0"/>
+              <a:t>th</a:t>
+            </a:r>
+            <a:r>
+              <a:rPr lang="en-US" dirty="0"/>
+              <a:t>: recorded lecture, will be on for office hours TBA</a:t>
+            </a:r>
+          </a:p>
+          <a:p>
+            <a:pPr lvl="1"/>
+            <a:r>
+              <a:rPr lang="en-US" dirty="0"/>
+              <a:t>Thurs Mar 18</a:t>
+            </a:r>
+            <a:r>
+              <a:rPr lang="en-US" baseline="30000" dirty="0"/>
+              <a:t>th</a:t>
+            </a:r>
+            <a:r>
+              <a:rPr lang="en-US" dirty="0"/>
+              <a:t>: meet at usual</a:t>
             </a:r>
             <a:br>
               <a:rPr lang="en-US" b="1" u="sng" dirty="0"/>

--- a/lectures/week_5_tests/le_5_tests.pptx
+++ b/lectures/week_5_tests/le_5_tests.pptx
@@ -231,7 +231,7 @@
           <a:p>
             <a:fld id="{6EBC5869-D15C-3840-B050-90A5C35E6518}" type="datetimeFigureOut">
               <a:rPr lang="en-US" smtClean="0"/>
-              <a:t>2/23/21</a:t>
+              <a:t>2/15/22</a:t>
             </a:fld>
             <a:endParaRPr lang="en-US"/>
           </a:p>
@@ -1159,7 +1159,7 @@
           <a:p>
             <a:fld id="{7D5693D1-C5E8-7D40-8B0E-476CF8AD55E4}" type="datetimeFigureOut">
               <a:rPr lang="en-US" smtClean="0"/>
-              <a:t>2/23/21</a:t>
+              <a:t>2/15/22</a:t>
             </a:fld>
             <a:endParaRPr lang="en-US"/>
           </a:p>
@@ -1327,7 +1327,7 @@
           <a:p>
             <a:fld id="{7D5693D1-C5E8-7D40-8B0E-476CF8AD55E4}" type="datetimeFigureOut">
               <a:rPr lang="en-US" smtClean="0"/>
-              <a:t>2/23/21</a:t>
+              <a:t>2/15/22</a:t>
             </a:fld>
             <a:endParaRPr lang="en-US"/>
           </a:p>
@@ -1505,7 +1505,7 @@
           <a:p>
             <a:fld id="{7D5693D1-C5E8-7D40-8B0E-476CF8AD55E4}" type="datetimeFigureOut">
               <a:rPr lang="en-US" smtClean="0"/>
-              <a:t>2/23/21</a:t>
+              <a:t>2/15/22</a:t>
             </a:fld>
             <a:endParaRPr lang="en-US"/>
           </a:p>
@@ -1673,7 +1673,7 @@
           <a:p>
             <a:fld id="{7D5693D1-C5E8-7D40-8B0E-476CF8AD55E4}" type="datetimeFigureOut">
               <a:rPr lang="en-US" smtClean="0"/>
-              <a:t>2/23/21</a:t>
+              <a:t>2/15/22</a:t>
             </a:fld>
             <a:endParaRPr lang="en-US"/>
           </a:p>
@@ -1918,7 +1918,7 @@
           <a:p>
             <a:fld id="{7D5693D1-C5E8-7D40-8B0E-476CF8AD55E4}" type="datetimeFigureOut">
               <a:rPr lang="en-US" smtClean="0"/>
-              <a:t>2/23/21</a:t>
+              <a:t>2/15/22</a:t>
             </a:fld>
             <a:endParaRPr lang="en-US"/>
           </a:p>
@@ -2147,7 +2147,7 @@
           <a:p>
             <a:fld id="{7D5693D1-C5E8-7D40-8B0E-476CF8AD55E4}" type="datetimeFigureOut">
               <a:rPr lang="en-US" smtClean="0"/>
-              <a:t>2/23/21</a:t>
+              <a:t>2/15/22</a:t>
             </a:fld>
             <a:endParaRPr lang="en-US"/>
           </a:p>
@@ -2511,7 +2511,7 @@
           <a:p>
             <a:fld id="{7D5693D1-C5E8-7D40-8B0E-476CF8AD55E4}" type="datetimeFigureOut">
               <a:rPr lang="en-US" smtClean="0"/>
-              <a:t>2/23/21</a:t>
+              <a:t>2/15/22</a:t>
             </a:fld>
             <a:endParaRPr lang="en-US"/>
           </a:p>
@@ -2628,7 +2628,7 @@
           <a:p>
             <a:fld id="{7D5693D1-C5E8-7D40-8B0E-476CF8AD55E4}" type="datetimeFigureOut">
               <a:rPr lang="en-US" smtClean="0"/>
-              <a:t>2/23/21</a:t>
+              <a:t>2/15/22</a:t>
             </a:fld>
             <a:endParaRPr lang="en-US"/>
           </a:p>
@@ -2723,7 +2723,7 @@
           <a:p>
             <a:fld id="{7D5693D1-C5E8-7D40-8B0E-476CF8AD55E4}" type="datetimeFigureOut">
               <a:rPr lang="en-US" smtClean="0"/>
-              <a:t>2/23/21</a:t>
+              <a:t>2/15/22</a:t>
             </a:fld>
             <a:endParaRPr lang="en-US"/>
           </a:p>
@@ -2998,7 +2998,7 @@
           <a:p>
             <a:fld id="{7D5693D1-C5E8-7D40-8B0E-476CF8AD55E4}" type="datetimeFigureOut">
               <a:rPr lang="en-US" smtClean="0"/>
-              <a:t>2/23/21</a:t>
+              <a:t>2/15/22</a:t>
             </a:fld>
             <a:endParaRPr lang="en-US"/>
           </a:p>
@@ -3250,7 +3250,7 @@
           <a:p>
             <a:fld id="{7D5693D1-C5E8-7D40-8B0E-476CF8AD55E4}" type="datetimeFigureOut">
               <a:rPr lang="en-US" smtClean="0"/>
-              <a:t>2/23/21</a:t>
+              <a:t>2/15/22</a:t>
             </a:fld>
             <a:endParaRPr lang="en-US"/>
           </a:p>
@@ -3461,7 +3461,7 @@
           <a:p>
             <a:fld id="{7D5693D1-C5E8-7D40-8B0E-476CF8AD55E4}" type="datetimeFigureOut">
               <a:rPr lang="en-US" smtClean="0"/>
-              <a:t>2/23/21</a:t>
+              <a:t>2/15/22</a:t>
             </a:fld>
             <a:endParaRPr lang="en-US"/>
           </a:p>
@@ -3997,7 +3997,7 @@
           <a:p>
             <a:r>
               <a:rPr lang="en-US" dirty="0"/>
-              <a:t>Compared the observed value of the statistic with a null distribution, generated by interchanging things that should be interchangeable under your null hypothesis</a:t>
+              <a:t>Compare the observed value of the statistic with a null distribution, generated by interchanging things that should be interchangeable under your null hypothesis</a:t>
             </a:r>
           </a:p>
           <a:p>
@@ -4753,8 +4753,13 @@
             </a:r>
             <a:r>
               <a:rPr lang="en-US" sz="2800" dirty="0"/>
-              <a:t>numbers) is equivalent to what transformation?</a:t>
-            </a:r>
+              <a:t>numbers) is equivalent </a:t>
+            </a:r>
+            <a:r>
+              <a:rPr lang="en-US" sz="2800"/>
+              <a:t>to a log transformation</a:t>
+            </a:r>
+            <a:endParaRPr lang="en-US" sz="2800" dirty="0"/>
           </a:p>
           <a:p>
             <a:pPr lvl="1"/>
@@ -5241,7 +5246,41 @@
             <a:pPr lvl="1"/>
             <a:r>
               <a:rPr lang="en-US" dirty="0"/>
-              <a:t>Tues Feb 23</a:t>
+              <a:t>Tues Feb 22</a:t>
+            </a:r>
+            <a:r>
+              <a:rPr lang="en-US" baseline="30000" dirty="0"/>
+              <a:t>nd</a:t>
+            </a:r>
+            <a:r>
+              <a:rPr lang="en-US" dirty="0"/>
+              <a:t>: Distributions; Thursday Feb 24</a:t>
+            </a:r>
+            <a:r>
+              <a:rPr lang="en-US" baseline="30000" dirty="0"/>
+              <a:t>th</a:t>
+            </a:r>
+            <a:r>
+              <a:rPr lang="en-US" dirty="0"/>
+              <a:t> : Practice</a:t>
+            </a:r>
+          </a:p>
+          <a:p>
+            <a:pPr lvl="1"/>
+            <a:r>
+              <a:rPr lang="en-US" dirty="0"/>
+              <a:t>Tuesday March 1st </a:t>
+            </a:r>
+            <a:r>
+              <a:rPr lang="en-US" b="1" dirty="0"/>
+              <a:t>Josef Uyeda – Phylogenies in R</a:t>
+            </a:r>
+          </a:p>
+          <a:p>
+            <a:pPr lvl="1"/>
+            <a:r>
+              <a:rPr lang="en-US" dirty="0"/>
+              <a:t>Thurs March 3</a:t>
             </a:r>
             <a:r>
               <a:rPr lang="en-US" baseline="30000" dirty="0"/>
@@ -5249,7 +5288,69 @@
             </a:r>
             <a:r>
               <a:rPr lang="en-US" dirty="0"/>
-              <a:t>: Distributions; Thursday Feb 25</a:t>
+              <a:t> </a:t>
+            </a:r>
+            <a:r>
+              <a:rPr lang="en-US" b="1" dirty="0"/>
+              <a:t>No class</a:t>
+            </a:r>
+          </a:p>
+          <a:p>
+            <a:pPr lvl="2"/>
+            <a:r>
+              <a:rPr lang="en-US" dirty="0"/>
+              <a:t>Use this time to read:</a:t>
+            </a:r>
+          </a:p>
+          <a:p>
+            <a:pPr lvl="2"/>
+            <a:r>
+              <a:rPr lang="en-US" dirty="0"/>
+              <a:t>1) Chapter on Distributions from Ben </a:t>
+            </a:r>
+            <a:r>
+              <a:rPr lang="en-US" dirty="0" err="1"/>
+              <a:t>Bolkers</a:t>
+            </a:r>
+            <a:r>
+              <a:rPr lang="en-US" dirty="0"/>
+              <a:t> book (posted), corresponds with next weeks lecture</a:t>
+            </a:r>
+          </a:p>
+          <a:p>
+            <a:pPr lvl="2"/>
+            <a:r>
+              <a:rPr lang="en-US" dirty="0"/>
+              <a:t>2) Take quiz (after reading chapter, open book)</a:t>
+            </a:r>
+          </a:p>
+          <a:p>
+            <a:pPr lvl="2"/>
+            <a:r>
+              <a:rPr lang="en-US" dirty="0"/>
+              <a:t>3) Read </a:t>
+            </a:r>
+            <a:r>
+              <a:rPr lang="en-US" dirty="0" err="1"/>
+              <a:t>Felsenstein</a:t>
+            </a:r>
+            <a:r>
+              <a:rPr lang="en-US" dirty="0"/>
+              <a:t> 1985 Am Nat (posted)</a:t>
+            </a:r>
+          </a:p>
+          <a:p>
+            <a:pPr lvl="1"/>
+            <a:r>
+              <a:rPr lang="en-US" dirty="0"/>
+              <a:t>March 8 &amp; 10 – Spring Break, No class</a:t>
+            </a:r>
+          </a:p>
+          <a:p>
+            <a:pPr lvl="1"/>
+            <a:r>
+              <a:rPr lang="en-US" dirty="0"/>
+              <a:t>Tuesday Mar 15</a:t>
             </a:r>
             <a:r>
               <a:rPr lang="en-US" baseline="30000" dirty="0"/>
@@ -5257,137 +5358,18 @@
             </a:r>
             <a:r>
               <a:rPr lang="en-US" dirty="0"/>
-              <a:t> : Spring Break Day</a:t>
+              <a:t>: </a:t>
+            </a:r>
+            <a:r>
+              <a:rPr lang="en-US" b="1" u="sng" dirty="0"/>
+              <a:t>recorded lecture on linear models. Watch on your own.</a:t>
             </a:r>
           </a:p>
           <a:p>
             <a:pPr lvl="1"/>
             <a:r>
               <a:rPr lang="en-US" dirty="0"/>
-              <a:t>Tuesday March 2</a:t>
-            </a:r>
-            <a:r>
-              <a:rPr lang="en-US" baseline="30000" dirty="0"/>
-              <a:t>nd</a:t>
-            </a:r>
-            <a:r>
-              <a:rPr lang="en-US" dirty="0"/>
-              <a:t> </a:t>
-            </a:r>
-            <a:r>
-              <a:rPr lang="en-US" b="1" dirty="0"/>
-              <a:t>class will not be held</a:t>
-            </a:r>
-          </a:p>
-          <a:p>
-            <a:pPr lvl="1"/>
-            <a:r>
-              <a:rPr lang="en-US" dirty="0"/>
-              <a:t>Use this time to read:</a:t>
-            </a:r>
-          </a:p>
-          <a:p>
-            <a:pPr lvl="2"/>
-            <a:r>
-              <a:rPr lang="en-US" dirty="0"/>
-              <a:t>1) Chapter on Distributions from Ben </a:t>
-            </a:r>
-            <a:r>
-              <a:rPr lang="en-US" dirty="0" err="1"/>
-              <a:t>Bolkers</a:t>
-            </a:r>
-            <a:r>
-              <a:rPr lang="en-US" dirty="0"/>
-              <a:t> book (posted)</a:t>
-            </a:r>
-          </a:p>
-          <a:p>
-            <a:pPr lvl="2"/>
-            <a:r>
-              <a:rPr lang="en-US" dirty="0"/>
-              <a:t>2) Take quiz (after reading chapter, open book)</a:t>
-            </a:r>
-          </a:p>
-          <a:p>
-            <a:pPr lvl="2"/>
-            <a:r>
-              <a:rPr lang="en-US" dirty="0"/>
-              <a:t>3) Read </a:t>
-            </a:r>
-            <a:r>
-              <a:rPr lang="en-US" dirty="0" err="1"/>
-              <a:t>Felsenstein</a:t>
-            </a:r>
-            <a:r>
-              <a:rPr lang="en-US" dirty="0"/>
-              <a:t> 1985 Am Nat (posted)</a:t>
-            </a:r>
-          </a:p>
-          <a:p>
-            <a:pPr lvl="1"/>
-            <a:r>
-              <a:rPr lang="en-US" b="1" u="sng" dirty="0"/>
-              <a:t>Thursday Mar 5th class: Dr. Josef Uyeda discussing working with phylogenies in R</a:t>
-            </a:r>
-          </a:p>
-          <a:p>
-            <a:pPr lvl="1"/>
-            <a:r>
-              <a:rPr lang="en-US" dirty="0"/>
-              <a:t>Tuesday Mar 9</a:t>
-            </a:r>
-            <a:r>
-              <a:rPr lang="en-US" baseline="30000" dirty="0"/>
-              <a:t>th</a:t>
-            </a:r>
-            <a:r>
-              <a:rPr lang="en-US" dirty="0"/>
-              <a:t>: recorded lecture, we will </a:t>
-            </a:r>
-            <a:r>
-              <a:rPr lang="en-US" b="1" dirty="0"/>
-              <a:t>not</a:t>
-            </a:r>
-            <a:r>
-              <a:rPr lang="en-US" dirty="0"/>
-              <a:t> meet in person</a:t>
-            </a:r>
-          </a:p>
-          <a:p>
-            <a:pPr lvl="1"/>
-            <a:r>
-              <a:rPr lang="en-US" dirty="0"/>
-              <a:t>Thurs Mar 11</a:t>
-            </a:r>
-            <a:r>
-              <a:rPr lang="en-US" baseline="30000" dirty="0"/>
-              <a:t>th</a:t>
-            </a:r>
-            <a:r>
-              <a:rPr lang="en-US" dirty="0"/>
-              <a:t>: Meet as usual </a:t>
-            </a:r>
-          </a:p>
-          <a:p>
-            <a:pPr lvl="1"/>
-            <a:r>
-              <a:rPr lang="en-US" dirty="0"/>
-              <a:t>Tuesday Mar 16</a:t>
-            </a:r>
-            <a:r>
-              <a:rPr lang="en-US" baseline="30000" dirty="0"/>
-              <a:t>th</a:t>
-            </a:r>
-            <a:r>
-              <a:rPr lang="en-US" dirty="0"/>
-              <a:t>: recorded lecture, will be on for office hours TBA</a:t>
-            </a:r>
-          </a:p>
-          <a:p>
-            <a:pPr lvl="1"/>
-            <a:r>
-              <a:rPr lang="en-US" dirty="0"/>
-              <a:t>Thurs Mar 18</a:t>
+              <a:t>Thurs Mar 17</a:t>
             </a:r>
             <a:r>
               <a:rPr lang="en-US" baseline="30000" dirty="0"/>

--- a/lectures/week_5_tests/le_5_tests.pptx
+++ b/lectures/week_5_tests/le_5_tests.pptx
@@ -947,6 +947,93 @@
 </file>
 
 <file path=ppt/notesSlides/notesSlide6.xml><?xml version="1.0" encoding="utf-8"?>
+<p:notes xmlns:a="http://schemas.openxmlformats.org/drawingml/2006/main" xmlns:r="http://schemas.openxmlformats.org/officeDocument/2006/relationships" xmlns:p="http://schemas.openxmlformats.org/presentationml/2006/main">
+  <p:cSld>
+    <p:spTree>
+      <p:nvGrpSpPr>
+        <p:cNvPr id="1" name=""/>
+        <p:cNvGrpSpPr/>
+        <p:nvPr/>
+      </p:nvGrpSpPr>
+      <p:grpSpPr>
+        <a:xfrm>
+          <a:off x="0" y="0"/>
+          <a:ext cx="0" cy="0"/>
+          <a:chOff x="0" y="0"/>
+          <a:chExt cx="0" cy="0"/>
+        </a:xfrm>
+      </p:grpSpPr>
+      <p:sp>
+        <p:nvSpPr>
+          <p:cNvPr id="2" name="Slide Image Placeholder 1"/>
+          <p:cNvSpPr>
+            <a:spLocks noGrp="1" noRot="1" noChangeAspect="1"/>
+          </p:cNvSpPr>
+          <p:nvPr>
+            <p:ph type="sldImg"/>
+          </p:nvPr>
+        </p:nvSpPr>
+        <p:spPr/>
+      </p:sp>
+      <p:sp>
+        <p:nvSpPr>
+          <p:cNvPr id="3" name="Notes Placeholder 2"/>
+          <p:cNvSpPr>
+            <a:spLocks noGrp="1"/>
+          </p:cNvSpPr>
+          <p:nvPr>
+            <p:ph type="body" idx="1"/>
+          </p:nvPr>
+        </p:nvSpPr>
+        <p:spPr/>
+        <p:txBody>
+          <a:bodyPr/>
+          <a:lstStyle/>
+          <a:p>
+            <a:r>
+              <a:rPr lang="en-US" dirty="0"/>
+              <a:t>2022 STOPPED HERE</a:t>
+            </a:r>
+          </a:p>
+        </p:txBody>
+      </p:sp>
+      <p:sp>
+        <p:nvSpPr>
+          <p:cNvPr id="4" name="Slide Number Placeholder 3"/>
+          <p:cNvSpPr>
+            <a:spLocks noGrp="1"/>
+          </p:cNvSpPr>
+          <p:nvPr>
+            <p:ph type="sldNum" sz="quarter" idx="5"/>
+          </p:nvPr>
+        </p:nvSpPr>
+        <p:spPr/>
+        <p:txBody>
+          <a:bodyPr/>
+          <a:lstStyle/>
+          <a:p>
+            <a:fld id="{3FFC207A-36A1-3243-A33F-1510AFB24BC1}" type="slidenum">
+              <a:rPr lang="en-US" smtClean="0"/>
+              <a:t>24</a:t>
+            </a:fld>
+            <a:endParaRPr lang="en-US"/>
+          </a:p>
+        </p:txBody>
+      </p:sp>
+    </p:spTree>
+    <p:extLst>
+      <p:ext uri="{BB962C8B-B14F-4D97-AF65-F5344CB8AC3E}">
+        <p14:creationId xmlns:p14="http://schemas.microsoft.com/office/powerpoint/2010/main" val="3953522833"/>
+      </p:ext>
+    </p:extLst>
+  </p:cSld>
+  <p:clrMapOvr>
+    <a:masterClrMapping/>
+  </p:clrMapOvr>
+</p:notes>
+</file>
+
+<file path=ppt/notesSlides/notesSlide7.xml><?xml version="1.0" encoding="utf-8"?>
 <p:notes xmlns:a="http://schemas.openxmlformats.org/drawingml/2006/main" xmlns:r="http://schemas.openxmlformats.org/officeDocument/2006/relationships" xmlns:p="http://schemas.openxmlformats.org/presentationml/2006/main">
   <p:cSld>
     <p:spTree>
@@ -4753,13 +4840,8 @@
             </a:r>
             <a:r>
               <a:rPr lang="en-US" sz="2800" dirty="0"/>
-              <a:t>numbers) is equivalent </a:t>
-            </a:r>
-            <a:r>
-              <a:rPr lang="en-US" sz="2800"/>
-              <a:t>to a log transformation</a:t>
-            </a:r>
-            <a:endParaRPr lang="en-US" sz="2800" dirty="0"/>
+              <a:t>numbers) is equivalent to a log transformation</a:t>
+            </a:r>
           </a:p>
           <a:p>
             <a:pPr lvl="1"/>

--- a/lectures/week_5_tests/le_5_tests.pptx
+++ b/lectures/week_5_tests/le_5_tests.pptx
@@ -231,7 +231,7 @@
           <a:p>
             <a:fld id="{6EBC5869-D15C-3840-B050-90A5C35E6518}" type="datetimeFigureOut">
               <a:rPr lang="en-US" smtClean="0"/>
-              <a:t>2/15/22</a:t>
+              <a:t>2/14/23</a:t>
             </a:fld>
             <a:endParaRPr lang="en-US"/>
           </a:p>
@@ -1246,7 +1246,7 @@
           <a:p>
             <a:fld id="{7D5693D1-C5E8-7D40-8B0E-476CF8AD55E4}" type="datetimeFigureOut">
               <a:rPr lang="en-US" smtClean="0"/>
-              <a:t>2/15/22</a:t>
+              <a:t>2/14/23</a:t>
             </a:fld>
             <a:endParaRPr lang="en-US"/>
           </a:p>
@@ -1414,7 +1414,7 @@
           <a:p>
             <a:fld id="{7D5693D1-C5E8-7D40-8B0E-476CF8AD55E4}" type="datetimeFigureOut">
               <a:rPr lang="en-US" smtClean="0"/>
-              <a:t>2/15/22</a:t>
+              <a:t>2/14/23</a:t>
             </a:fld>
             <a:endParaRPr lang="en-US"/>
           </a:p>
@@ -1592,7 +1592,7 @@
           <a:p>
             <a:fld id="{7D5693D1-C5E8-7D40-8B0E-476CF8AD55E4}" type="datetimeFigureOut">
               <a:rPr lang="en-US" smtClean="0"/>
-              <a:t>2/15/22</a:t>
+              <a:t>2/14/23</a:t>
             </a:fld>
             <a:endParaRPr lang="en-US"/>
           </a:p>
@@ -1760,7 +1760,7 @@
           <a:p>
             <a:fld id="{7D5693D1-C5E8-7D40-8B0E-476CF8AD55E4}" type="datetimeFigureOut">
               <a:rPr lang="en-US" smtClean="0"/>
-              <a:t>2/15/22</a:t>
+              <a:t>2/14/23</a:t>
             </a:fld>
             <a:endParaRPr lang="en-US"/>
           </a:p>
@@ -2005,7 +2005,7 @@
           <a:p>
             <a:fld id="{7D5693D1-C5E8-7D40-8B0E-476CF8AD55E4}" type="datetimeFigureOut">
               <a:rPr lang="en-US" smtClean="0"/>
-              <a:t>2/15/22</a:t>
+              <a:t>2/14/23</a:t>
             </a:fld>
             <a:endParaRPr lang="en-US"/>
           </a:p>
@@ -2234,7 +2234,7 @@
           <a:p>
             <a:fld id="{7D5693D1-C5E8-7D40-8B0E-476CF8AD55E4}" type="datetimeFigureOut">
               <a:rPr lang="en-US" smtClean="0"/>
-              <a:t>2/15/22</a:t>
+              <a:t>2/14/23</a:t>
             </a:fld>
             <a:endParaRPr lang="en-US"/>
           </a:p>
@@ -2598,7 +2598,7 @@
           <a:p>
             <a:fld id="{7D5693D1-C5E8-7D40-8B0E-476CF8AD55E4}" type="datetimeFigureOut">
               <a:rPr lang="en-US" smtClean="0"/>
-              <a:t>2/15/22</a:t>
+              <a:t>2/14/23</a:t>
             </a:fld>
             <a:endParaRPr lang="en-US"/>
           </a:p>
@@ -2715,7 +2715,7 @@
           <a:p>
             <a:fld id="{7D5693D1-C5E8-7D40-8B0E-476CF8AD55E4}" type="datetimeFigureOut">
               <a:rPr lang="en-US" smtClean="0"/>
-              <a:t>2/15/22</a:t>
+              <a:t>2/14/23</a:t>
             </a:fld>
             <a:endParaRPr lang="en-US"/>
           </a:p>
@@ -2810,7 +2810,7 @@
           <a:p>
             <a:fld id="{7D5693D1-C5E8-7D40-8B0E-476CF8AD55E4}" type="datetimeFigureOut">
               <a:rPr lang="en-US" smtClean="0"/>
-              <a:t>2/15/22</a:t>
+              <a:t>2/14/23</a:t>
             </a:fld>
             <a:endParaRPr lang="en-US"/>
           </a:p>
@@ -3085,7 +3085,7 @@
           <a:p>
             <a:fld id="{7D5693D1-C5E8-7D40-8B0E-476CF8AD55E4}" type="datetimeFigureOut">
               <a:rPr lang="en-US" smtClean="0"/>
-              <a:t>2/15/22</a:t>
+              <a:t>2/14/23</a:t>
             </a:fld>
             <a:endParaRPr lang="en-US"/>
           </a:p>
@@ -3337,7 +3337,7 @@
           <a:p>
             <a:fld id="{7D5693D1-C5E8-7D40-8B0E-476CF8AD55E4}" type="datetimeFigureOut">
               <a:rPr lang="en-US" smtClean="0"/>
-              <a:t>2/15/22</a:t>
+              <a:t>2/14/23</a:t>
             </a:fld>
             <a:endParaRPr lang="en-US"/>
           </a:p>
@@ -3548,7 +3548,7 @@
           <a:p>
             <a:fld id="{7D5693D1-C5E8-7D40-8B0E-476CF8AD55E4}" type="datetimeFigureOut">
               <a:rPr lang="en-US" smtClean="0"/>
-              <a:t>2/15/22</a:t>
+              <a:t>2/14/23</a:t>
             </a:fld>
             <a:endParaRPr lang="en-US"/>
           </a:p>
@@ -5315,7 +5315,7 @@
         <p:spPr/>
         <p:txBody>
           <a:bodyPr>
-            <a:normAutofit fontScale="92500" lnSpcReduction="10000"/>
+            <a:normAutofit lnSpcReduction="10000"/>
           </a:bodyPr>
           <a:lstStyle/>
           <a:p>
@@ -5328,7 +5328,77 @@
             <a:pPr lvl="1"/>
             <a:r>
               <a:rPr lang="en-US" dirty="0"/>
-              <a:t>Tues Feb 22</a:t>
+              <a:t>Tues Feb 21</a:t>
+            </a:r>
+            <a:r>
+              <a:rPr lang="en-US" baseline="30000" dirty="0"/>
+              <a:t>st</a:t>
+            </a:r>
+            <a:r>
+              <a:rPr lang="en-US" dirty="0"/>
+              <a:t>: Distributions; Thursday Feb 23rd : Practice</a:t>
+            </a:r>
+          </a:p>
+          <a:p>
+            <a:pPr lvl="1"/>
+            <a:r>
+              <a:rPr lang="en-US" dirty="0"/>
+              <a:t>Tues March 28th </a:t>
+            </a:r>
+            <a:r>
+              <a:rPr lang="en-US" b="1" dirty="0"/>
+              <a:t>No class</a:t>
+            </a:r>
+          </a:p>
+          <a:p>
+            <a:pPr lvl="2"/>
+            <a:r>
+              <a:rPr lang="en-US" dirty="0"/>
+              <a:t>Use this time to read:</a:t>
+            </a:r>
+          </a:p>
+          <a:p>
+            <a:pPr lvl="2"/>
+            <a:r>
+              <a:rPr lang="en-US" dirty="0"/>
+              <a:t>1) Chapter on Distributions from Ben </a:t>
+            </a:r>
+            <a:r>
+              <a:rPr lang="en-US" dirty="0" err="1"/>
+              <a:t>Bolkers</a:t>
+            </a:r>
+            <a:r>
+              <a:rPr lang="en-US" dirty="0"/>
+              <a:t> book (posted), corresponds with next weeks lecture</a:t>
+            </a:r>
+          </a:p>
+          <a:p>
+            <a:pPr lvl="2"/>
+            <a:r>
+              <a:rPr lang="en-US" dirty="0"/>
+              <a:t>2) Take quiz (after reading chapter, open book)</a:t>
+            </a:r>
+          </a:p>
+          <a:p>
+            <a:pPr lvl="2"/>
+            <a:r>
+              <a:rPr lang="en-US" dirty="0"/>
+              <a:t>3) Read </a:t>
+            </a:r>
+            <a:r>
+              <a:rPr lang="en-US" dirty="0" err="1"/>
+              <a:t>Felsenstein</a:t>
+            </a:r>
+            <a:r>
+              <a:rPr lang="en-US" dirty="0"/>
+              <a:t> 1985 Am Nat (posted)</a:t>
+            </a:r>
+          </a:p>
+          <a:p>
+            <a:pPr lvl="1"/>
+            <a:r>
+              <a:rPr lang="en-US" dirty="0"/>
+              <a:t>Thurs Mar 2</a:t>
             </a:r>
             <a:r>
               <a:rPr lang="en-US" baseline="30000" dirty="0"/>
@@ -5336,103 +5406,26 @@
             </a:r>
             <a:r>
               <a:rPr lang="en-US" dirty="0"/>
-              <a:t>: Distributions; Thursday Feb 24</a:t>
-            </a:r>
-            <a:r>
-              <a:rPr lang="en-US" baseline="30000" dirty="0"/>
-              <a:t>th</a:t>
-            </a:r>
-            <a:r>
-              <a:rPr lang="en-US" dirty="0"/>
-              <a:t> : Practice</a:t>
-            </a:r>
+              <a:t> – </a:t>
+            </a:r>
+            <a:r>
+              <a:rPr lang="en-US" b="1" dirty="0"/>
+              <a:t>Dr. Josef Uyeda</a:t>
+            </a:r>
+            <a:endParaRPr lang="en-US" dirty="0"/>
           </a:p>
           <a:p>
             <a:pPr lvl="1"/>
             <a:r>
               <a:rPr lang="en-US" dirty="0"/>
-              <a:t>Tuesday March 1st </a:t>
-            </a:r>
-            <a:r>
-              <a:rPr lang="en-US" b="1" dirty="0"/>
-              <a:t>Josef Uyeda – Phylogenies in R</a:t>
+              <a:t>March 8 &amp; 10 – Spring Break, No class</a:t>
             </a:r>
           </a:p>
           <a:p>
             <a:pPr lvl="1"/>
             <a:r>
               <a:rPr lang="en-US" dirty="0"/>
-              <a:t>Thurs March 3</a:t>
-            </a:r>
-            <a:r>
-              <a:rPr lang="en-US" baseline="30000" dirty="0"/>
-              <a:t>rd</a:t>
-            </a:r>
-            <a:r>
-              <a:rPr lang="en-US" dirty="0"/>
-              <a:t> </a:t>
-            </a:r>
-            <a:r>
-              <a:rPr lang="en-US" b="1" dirty="0"/>
-              <a:t>No class</a:t>
-            </a:r>
-          </a:p>
-          <a:p>
-            <a:pPr lvl="2"/>
-            <a:r>
-              <a:rPr lang="en-US" dirty="0"/>
-              <a:t>Use this time to read:</a:t>
-            </a:r>
-          </a:p>
-          <a:p>
-            <a:pPr lvl="2"/>
-            <a:r>
-              <a:rPr lang="en-US" dirty="0"/>
-              <a:t>1) Chapter on Distributions from Ben </a:t>
-            </a:r>
-            <a:r>
-              <a:rPr lang="en-US" dirty="0" err="1"/>
-              <a:t>Bolkers</a:t>
-            </a:r>
-            <a:r>
-              <a:rPr lang="en-US" dirty="0"/>
-              <a:t> book (posted), corresponds with next weeks lecture</a:t>
-            </a:r>
-          </a:p>
-          <a:p>
-            <a:pPr lvl="2"/>
-            <a:r>
-              <a:rPr lang="en-US" dirty="0"/>
-              <a:t>2) Take quiz (after reading chapter, open book)</a:t>
-            </a:r>
-          </a:p>
-          <a:p>
-            <a:pPr lvl="2"/>
-            <a:r>
-              <a:rPr lang="en-US" dirty="0"/>
-              <a:t>3) Read </a:t>
-            </a:r>
-            <a:r>
-              <a:rPr lang="en-US" dirty="0" err="1"/>
-              <a:t>Felsenstein</a:t>
-            </a:r>
-            <a:r>
-              <a:rPr lang="en-US" dirty="0"/>
-              <a:t> 1985 Am Nat (posted)</a:t>
-            </a:r>
-          </a:p>
-          <a:p>
-            <a:pPr lvl="1"/>
-            <a:r>
-              <a:rPr lang="en-US" dirty="0"/>
-              <a:t>March 8 &amp; 10 – Spring Break, No class</a:t>
-            </a:r>
-          </a:p>
-          <a:p>
-            <a:pPr lvl="1"/>
-            <a:r>
-              <a:rPr lang="en-US" dirty="0"/>
-              <a:t>Tuesday Mar 15</a:t>
+              <a:t>Tuesday Mar 14</a:t>
             </a:r>
             <a:r>
               <a:rPr lang="en-US" baseline="30000" dirty="0"/>
@@ -6652,7 +6645,7 @@
         </p:spPr>
         <p:txBody>
           <a:bodyPr>
-            <a:normAutofit fontScale="92500" lnSpcReduction="20000"/>
+            <a:normAutofit/>
           </a:bodyPr>
           <a:lstStyle/>
           <a:p>
@@ -6672,19 +6665,6 @@
           </a:p>
           <a:p>
             <a:endParaRPr lang="en-US" dirty="0"/>
-          </a:p>
-          <a:p>
-            <a:r>
-              <a:rPr lang="en-US" dirty="0"/>
-              <a:t>Which of these would you use a test vs a model?</a:t>
-            </a:r>
-          </a:p>
-          <a:p>
-            <a:pPr lvl="1"/>
-            <a:r>
-              <a:rPr lang="en-US" dirty="0"/>
-              <a:t>Salt intake and growth, fat and weight, temperature and infection, pavement and number of humans, number of frogs and number of fish</a:t>
-            </a:r>
           </a:p>
           <a:p>
             <a:endParaRPr lang="en-US" dirty="0"/>

--- a/lectures/week_5_tests/le_5_tests.pptx
+++ b/lectures/week_5_tests/le_5_tests.pptx
@@ -5343,7 +5343,7 @@
             <a:pPr lvl="1"/>
             <a:r>
               <a:rPr lang="en-US" dirty="0"/>
-              <a:t>Tues March 28th </a:t>
+              <a:t>Tues Feb 28th </a:t>
             </a:r>
             <a:r>
               <a:rPr lang="en-US" b="1" dirty="0"/>

--- a/lectures/week_5_tests/le_5_tests.pptx
+++ b/lectures/week_5_tests/le_5_tests.pptx
@@ -231,7 +231,7 @@
           <a:p>
             <a:fld id="{6EBC5869-D15C-3840-B050-90A5C35E6518}" type="datetimeFigureOut">
               <a:rPr lang="en-US" smtClean="0"/>
-              <a:t>2/14/23</a:t>
+              <a:t>2/13/24</a:t>
             </a:fld>
             <a:endParaRPr lang="en-US"/>
           </a:p>
@@ -1246,7 +1246,7 @@
           <a:p>
             <a:fld id="{7D5693D1-C5E8-7D40-8B0E-476CF8AD55E4}" type="datetimeFigureOut">
               <a:rPr lang="en-US" smtClean="0"/>
-              <a:t>2/14/23</a:t>
+              <a:t>2/13/24</a:t>
             </a:fld>
             <a:endParaRPr lang="en-US"/>
           </a:p>
@@ -1414,7 +1414,7 @@
           <a:p>
             <a:fld id="{7D5693D1-C5E8-7D40-8B0E-476CF8AD55E4}" type="datetimeFigureOut">
               <a:rPr lang="en-US" smtClean="0"/>
-              <a:t>2/14/23</a:t>
+              <a:t>2/13/24</a:t>
             </a:fld>
             <a:endParaRPr lang="en-US"/>
           </a:p>
@@ -1592,7 +1592,7 @@
           <a:p>
             <a:fld id="{7D5693D1-C5E8-7D40-8B0E-476CF8AD55E4}" type="datetimeFigureOut">
               <a:rPr lang="en-US" smtClean="0"/>
-              <a:t>2/14/23</a:t>
+              <a:t>2/13/24</a:t>
             </a:fld>
             <a:endParaRPr lang="en-US"/>
           </a:p>
@@ -1760,7 +1760,7 @@
           <a:p>
             <a:fld id="{7D5693D1-C5E8-7D40-8B0E-476CF8AD55E4}" type="datetimeFigureOut">
               <a:rPr lang="en-US" smtClean="0"/>
-              <a:t>2/14/23</a:t>
+              <a:t>2/13/24</a:t>
             </a:fld>
             <a:endParaRPr lang="en-US"/>
           </a:p>
@@ -2005,7 +2005,7 @@
           <a:p>
             <a:fld id="{7D5693D1-C5E8-7D40-8B0E-476CF8AD55E4}" type="datetimeFigureOut">
               <a:rPr lang="en-US" smtClean="0"/>
-              <a:t>2/14/23</a:t>
+              <a:t>2/13/24</a:t>
             </a:fld>
             <a:endParaRPr lang="en-US"/>
           </a:p>
@@ -2234,7 +2234,7 @@
           <a:p>
             <a:fld id="{7D5693D1-C5E8-7D40-8B0E-476CF8AD55E4}" type="datetimeFigureOut">
               <a:rPr lang="en-US" smtClean="0"/>
-              <a:t>2/14/23</a:t>
+              <a:t>2/13/24</a:t>
             </a:fld>
             <a:endParaRPr lang="en-US"/>
           </a:p>
@@ -2598,7 +2598,7 @@
           <a:p>
             <a:fld id="{7D5693D1-C5E8-7D40-8B0E-476CF8AD55E4}" type="datetimeFigureOut">
               <a:rPr lang="en-US" smtClean="0"/>
-              <a:t>2/14/23</a:t>
+              <a:t>2/13/24</a:t>
             </a:fld>
             <a:endParaRPr lang="en-US"/>
           </a:p>
@@ -2715,7 +2715,7 @@
           <a:p>
             <a:fld id="{7D5693D1-C5E8-7D40-8B0E-476CF8AD55E4}" type="datetimeFigureOut">
               <a:rPr lang="en-US" smtClean="0"/>
-              <a:t>2/14/23</a:t>
+              <a:t>2/13/24</a:t>
             </a:fld>
             <a:endParaRPr lang="en-US"/>
           </a:p>
@@ -2810,7 +2810,7 @@
           <a:p>
             <a:fld id="{7D5693D1-C5E8-7D40-8B0E-476CF8AD55E4}" type="datetimeFigureOut">
               <a:rPr lang="en-US" smtClean="0"/>
-              <a:t>2/14/23</a:t>
+              <a:t>2/13/24</a:t>
             </a:fld>
             <a:endParaRPr lang="en-US"/>
           </a:p>
@@ -3085,7 +3085,7 @@
           <a:p>
             <a:fld id="{7D5693D1-C5E8-7D40-8B0E-476CF8AD55E4}" type="datetimeFigureOut">
               <a:rPr lang="en-US" smtClean="0"/>
-              <a:t>2/14/23</a:t>
+              <a:t>2/13/24</a:t>
             </a:fld>
             <a:endParaRPr lang="en-US"/>
           </a:p>
@@ -3337,7 +3337,7 @@
           <a:p>
             <a:fld id="{7D5693D1-C5E8-7D40-8B0E-476CF8AD55E4}" type="datetimeFigureOut">
               <a:rPr lang="en-US" smtClean="0"/>
-              <a:t>2/14/23</a:t>
+              <a:t>2/13/24</a:t>
             </a:fld>
             <a:endParaRPr lang="en-US"/>
           </a:p>
@@ -3548,7 +3548,7 @@
           <a:p>
             <a:fld id="{7D5693D1-C5E8-7D40-8B0E-476CF8AD55E4}" type="datetimeFigureOut">
               <a:rPr lang="en-US" smtClean="0"/>
-              <a:t>2/14/23</a:t>
+              <a:t>2/13/24</a:t>
             </a:fld>
             <a:endParaRPr lang="en-US"/>
           </a:p>
@@ -5315,7 +5315,7 @@
         <p:spPr/>
         <p:txBody>
           <a:bodyPr>
-            <a:normAutofit lnSpcReduction="10000"/>
+            <a:normAutofit fontScale="92500" lnSpcReduction="20000"/>
           </a:bodyPr>
           <a:lstStyle/>
           <a:p>
@@ -5328,7 +5328,7 @@
             <a:pPr lvl="1"/>
             <a:r>
               <a:rPr lang="en-US" dirty="0"/>
-              <a:t>Tues Feb 21</a:t>
+              <a:t>Tues Feb 20</a:t>
             </a:r>
             <a:r>
               <a:rPr lang="en-US" baseline="30000" dirty="0"/>
@@ -5336,18 +5336,33 @@
             </a:r>
             <a:r>
               <a:rPr lang="en-US" dirty="0"/>
-              <a:t>: Distributions; Thursday Feb 23rd : Practice</a:t>
+              <a:t>: Distributions; Thursday Feb 23rd : Exercise &amp; Practice, No assignment! Quiz!</a:t>
             </a:r>
           </a:p>
           <a:p>
             <a:pPr lvl="1"/>
             <a:r>
               <a:rPr lang="en-US" dirty="0"/>
-              <a:t>Tues Feb 28th </a:t>
+              <a:t>Tues Feb 27th </a:t>
             </a:r>
             <a:r>
               <a:rPr lang="en-US" b="1" dirty="0"/>
-              <a:t>No class</a:t>
+              <a:t>ARC Computing – High performance Computing</a:t>
+            </a:r>
+          </a:p>
+          <a:p>
+            <a:pPr lvl="1"/>
+            <a:r>
+              <a:rPr lang="en-US" b="1" dirty="0"/>
+              <a:t>Thurs Feb 29</a:t>
+            </a:r>
+            <a:r>
+              <a:rPr lang="en-US" b="1" baseline="30000" dirty="0"/>
+              <a:t>th</a:t>
+            </a:r>
+            <a:r>
+              <a:rPr lang="en-US" b="1" dirty="0"/>
+              <a:t> – No class!!!!!!</a:t>
             </a:r>
           </a:p>
           <a:p>
@@ -5380,52 +5395,17 @@
             </a:r>
           </a:p>
           <a:p>
-            <a:pPr lvl="2"/>
-            <a:r>
-              <a:rPr lang="en-US" dirty="0"/>
-              <a:t>3) Read </a:t>
-            </a:r>
-            <a:r>
-              <a:rPr lang="en-US" dirty="0" err="1"/>
-              <a:t>Felsenstein</a:t>
-            </a:r>
-            <a:r>
-              <a:rPr lang="en-US" dirty="0"/>
-              <a:t> 1985 Am Nat (posted)</a:t>
-            </a:r>
-          </a:p>
-          <a:p>
             <a:pPr lvl="1"/>
             <a:r>
               <a:rPr lang="en-US" dirty="0"/>
-              <a:t>Thurs Mar 2</a:t>
-            </a:r>
-            <a:r>
-              <a:rPr lang="en-US" baseline="30000" dirty="0"/>
-              <a:t>nd</a:t>
-            </a:r>
-            <a:r>
-              <a:rPr lang="en-US" dirty="0"/>
-              <a:t> – </a:t>
-            </a:r>
-            <a:r>
-              <a:rPr lang="en-US" b="1" dirty="0"/>
-              <a:t>Dr. Josef Uyeda</a:t>
-            </a:r>
-            <a:endParaRPr lang="en-US" dirty="0"/>
+              <a:t>March 5 &amp; 7 – Spring Break, No class</a:t>
+            </a:r>
           </a:p>
           <a:p>
             <a:pPr lvl="1"/>
             <a:r>
               <a:rPr lang="en-US" dirty="0"/>
-              <a:t>March 8 &amp; 10 – Spring Break, No class</a:t>
-            </a:r>
-          </a:p>
-          <a:p>
-            <a:pPr lvl="1"/>
-            <a:r>
-              <a:rPr lang="en-US" dirty="0"/>
-              <a:t>Tuesday Mar 14</a:t>
+              <a:t>Tuesday Mar 12</a:t>
             </a:r>
             <a:r>
               <a:rPr lang="en-US" baseline="30000" dirty="0"/>
@@ -5437,7 +5417,14 @@
             </a:r>
             <a:r>
               <a:rPr lang="en-US" b="1" u="sng" dirty="0"/>
-              <a:t>recorded lecture on linear models. Watch on your own.</a:t>
+              <a:t>recorded lecture on linear models. Watch on your own. </a:t>
+            </a:r>
+          </a:p>
+          <a:p>
+            <a:pPr lvl="2"/>
+            <a:r>
+              <a:rPr lang="en-US" b="1" u="sng" dirty="0"/>
+              <a:t>IMPORTANT: KATE IS UPDATING THIS LECTURE – DO NOT GET TOO FAR AHEAD!</a:t>
             </a:r>
           </a:p>
           <a:p>
@@ -5452,7 +5439,7 @@
             </a:r>
             <a:r>
               <a:rPr lang="en-US" dirty="0"/>
-              <a:t>: meet at usual</a:t>
+              <a:t>: meet at usual to practice what you learned on Tuesday</a:t>
             </a:r>
             <a:br>
               <a:rPr lang="en-US" b="1" u="sng" dirty="0"/>

--- a/lectures/week_5_tests/le_5_tests.pptx
+++ b/lectures/week_5_tests/le_5_tests.pptx
@@ -5,7 +5,7 @@
     <p:sldMasterId id="2147483648" r:id="rId1"/>
   </p:sldMasterIdLst>
   <p:notesMasterIdLst>
-    <p:notesMasterId r:id="rId37"/>
+    <p:notesMasterId r:id="rId38"/>
   </p:notesMasterIdLst>
   <p:sldIdLst>
     <p:sldId id="256" r:id="rId2"/>
@@ -21,28 +21,29 @@
     <p:sldId id="286" r:id="rId12"/>
     <p:sldId id="287" r:id="rId13"/>
     <p:sldId id="288" r:id="rId14"/>
-    <p:sldId id="265" r:id="rId15"/>
-    <p:sldId id="266" r:id="rId16"/>
-    <p:sldId id="268" r:id="rId17"/>
-    <p:sldId id="269" r:id="rId18"/>
-    <p:sldId id="301" r:id="rId19"/>
-    <p:sldId id="284" r:id="rId20"/>
-    <p:sldId id="306" r:id="rId21"/>
-    <p:sldId id="289" r:id="rId22"/>
-    <p:sldId id="291" r:id="rId23"/>
-    <p:sldId id="292" r:id="rId24"/>
-    <p:sldId id="293" r:id="rId25"/>
-    <p:sldId id="290" r:id="rId26"/>
-    <p:sldId id="294" r:id="rId27"/>
-    <p:sldId id="271" r:id="rId28"/>
-    <p:sldId id="295" r:id="rId29"/>
-    <p:sldId id="296" r:id="rId30"/>
-    <p:sldId id="297" r:id="rId31"/>
-    <p:sldId id="274" r:id="rId32"/>
-    <p:sldId id="275" r:id="rId33"/>
-    <p:sldId id="299" r:id="rId34"/>
-    <p:sldId id="304" r:id="rId35"/>
-    <p:sldId id="303" r:id="rId36"/>
+    <p:sldId id="307" r:id="rId15"/>
+    <p:sldId id="265" r:id="rId16"/>
+    <p:sldId id="266" r:id="rId17"/>
+    <p:sldId id="268" r:id="rId18"/>
+    <p:sldId id="269" r:id="rId19"/>
+    <p:sldId id="301" r:id="rId20"/>
+    <p:sldId id="284" r:id="rId21"/>
+    <p:sldId id="306" r:id="rId22"/>
+    <p:sldId id="289" r:id="rId23"/>
+    <p:sldId id="291" r:id="rId24"/>
+    <p:sldId id="292" r:id="rId25"/>
+    <p:sldId id="293" r:id="rId26"/>
+    <p:sldId id="290" r:id="rId27"/>
+    <p:sldId id="294" r:id="rId28"/>
+    <p:sldId id="271" r:id="rId29"/>
+    <p:sldId id="295" r:id="rId30"/>
+    <p:sldId id="296" r:id="rId31"/>
+    <p:sldId id="297" r:id="rId32"/>
+    <p:sldId id="274" r:id="rId33"/>
+    <p:sldId id="275" r:id="rId34"/>
+    <p:sldId id="299" r:id="rId35"/>
+    <p:sldId id="304" r:id="rId36"/>
+    <p:sldId id="303" r:id="rId37"/>
   </p:sldIdLst>
   <p:sldSz cx="12192000" cy="6858000"/>
   <p:notesSz cx="6858000" cy="9144000"/>
@@ -759,7 +760,7 @@
           <a:p>
             <a:fld id="{3FFC207A-36A1-3243-A33F-1510AFB24BC1}" type="slidenum">
               <a:rPr lang="en-US" smtClean="0"/>
-              <a:t>15</a:t>
+              <a:t>16</a:t>
             </a:fld>
             <a:endParaRPr lang="en-US"/>
           </a:p>
@@ -843,7 +844,7 @@
           <a:p>
             <a:fld id="{3FFC207A-36A1-3243-A33F-1510AFB24BC1}" type="slidenum">
               <a:rPr lang="en-US" smtClean="0"/>
-              <a:t>16</a:t>
+              <a:t>17</a:t>
             </a:fld>
             <a:endParaRPr lang="en-US"/>
           </a:p>
@@ -927,7 +928,7 @@
           <a:p>
             <a:fld id="{3FFC207A-36A1-3243-A33F-1510AFB24BC1}" type="slidenum">
               <a:rPr lang="en-US" smtClean="0"/>
-              <a:t>19</a:t>
+              <a:t>20</a:t>
             </a:fld>
             <a:endParaRPr lang="en-US"/>
           </a:p>
@@ -1014,7 +1015,7 @@
           <a:p>
             <a:fld id="{3FFC207A-36A1-3243-A33F-1510AFB24BC1}" type="slidenum">
               <a:rPr lang="en-US" smtClean="0"/>
-              <a:t>24</a:t>
+              <a:t>25</a:t>
             </a:fld>
             <a:endParaRPr lang="en-US"/>
           </a:p>
@@ -1098,7 +1099,7 @@
           <a:p>
             <a:fld id="{3FFC207A-36A1-3243-A33F-1510AFB24BC1}" type="slidenum">
               <a:rPr lang="en-US" smtClean="0"/>
-              <a:t>34</a:t>
+              <a:t>35</a:t>
             </a:fld>
             <a:endParaRPr lang="en-US"/>
           </a:p>
@@ -4518,7 +4519,13 @@
       </p:grpSpPr>
       <p:sp>
         <p:nvSpPr>
-          <p:cNvPr id="2" name="Title 1"/>
+          <p:cNvPr id="2" name="Title 1">
+            <a:extLst>
+              <a:ext uri="{FF2B5EF4-FFF2-40B4-BE49-F238E27FC236}">
+                <a16:creationId xmlns:a16="http://schemas.microsoft.com/office/drawing/2014/main" id="{B0B27F52-D4B9-64EA-5723-5B1852A78D1A}"/>
+              </a:ext>
+            </a:extLst>
+          </p:cNvPr>
           <p:cNvSpPr>
             <a:spLocks noGrp="1"/>
           </p:cNvSpPr>
@@ -4533,14 +4540,20 @@
           <a:p>
             <a:r>
               <a:rPr lang="en-US" dirty="0"/>
-              <a:t>Field and forest ants</a:t>
-            </a:r>
-          </a:p>
-        </p:txBody>
-      </p:sp>
-      <p:sp>
-        <p:nvSpPr>
-          <p:cNvPr id="3" name="Content Placeholder 2"/>
+              <a:t>Demo! Simulate your own permutation test</a:t>
+            </a:r>
+          </a:p>
+        </p:txBody>
+      </p:sp>
+      <p:sp>
+        <p:nvSpPr>
+          <p:cNvPr id="3" name="Content Placeholder 2">
+            <a:extLst>
+              <a:ext uri="{FF2B5EF4-FFF2-40B4-BE49-F238E27FC236}">
+                <a16:creationId xmlns:a16="http://schemas.microsoft.com/office/drawing/2014/main" id="{F9FC47E3-414D-4A3E-AAEB-888FF86C8567}"/>
+              </a:ext>
+            </a:extLst>
+          </p:cNvPr>
           <p:cNvSpPr>
             <a:spLocks noGrp="1"/>
           </p:cNvSpPr>
@@ -4548,61 +4561,110 @@
             <p:ph idx="1"/>
           </p:nvPr>
         </p:nvSpPr>
-        <p:spPr/>
-        <p:txBody>
-          <a:bodyPr/>
-          <a:lstStyle/>
-          <a:p>
-            <a:r>
-              <a:rPr lang="en-US" dirty="0"/>
-              <a:t>Total of 210 possible permutations</a:t>
-            </a:r>
-          </a:p>
-          <a:p>
+        <p:spPr>
+          <a:xfrm>
+            <a:off x="674370" y="1565910"/>
+            <a:ext cx="10679430" cy="4611053"/>
+          </a:xfrm>
+        </p:spPr>
+        <p:txBody>
+          <a:bodyPr>
+            <a:normAutofit fontScale="85000" lnSpcReduction="10000"/>
+          </a:bodyPr>
+          <a:lstStyle/>
+          <a:p>
+            <a:r>
+              <a:rPr lang="en-US" dirty="0"/>
+              <a:t>You have been given a box filled with ant colonies</a:t>
+            </a:r>
+          </a:p>
+          <a:p>
+            <a:pPr lvl="1"/>
+            <a:r>
+              <a:rPr lang="en-US" dirty="0"/>
+              <a:t>Forest: 9, 6, 4, 6, 7, 10</a:t>
+            </a:r>
+          </a:p>
+          <a:p>
+            <a:pPr lvl="1"/>
+            <a:r>
+              <a:rPr lang="en-US" dirty="0"/>
+              <a:t>Field: 12, 9, 12, 10</a:t>
+            </a:r>
+          </a:p>
+          <a:p>
+            <a:r>
+              <a:rPr lang="en-US" dirty="0"/>
+              <a:t>The mean difference in the colonies = mean(field) – mean(forest) = 3.75</a:t>
+            </a:r>
+          </a:p>
+          <a:p>
+            <a:r>
+              <a:rPr lang="en-US" dirty="0"/>
+              <a:t>Could this effect be due to chance or is it due to differences in the habitat?</a:t>
+            </a:r>
+          </a:p>
+          <a:p>
+            <a:pPr lvl="1"/>
+            <a:r>
+              <a:rPr lang="en-US" dirty="0"/>
+              <a:t>Investigation: </a:t>
+            </a:r>
+          </a:p>
+          <a:p>
+            <a:pPr lvl="1"/>
+            <a:r>
+              <a:rPr lang="en-US" dirty="0"/>
+              <a:t>Scramble the colonies and </a:t>
+            </a:r>
+            <a:r>
+              <a:rPr lang="en-US" b="1" u="sng" dirty="0"/>
+              <a:t>randomly </a:t>
+            </a:r>
+            <a:r>
+              <a:rPr lang="en-US" dirty="0"/>
+              <a:t>assign the either field or forest on your game board</a:t>
+            </a:r>
+          </a:p>
+          <a:p>
+            <a:pPr lvl="1"/>
+            <a:r>
+              <a:rPr lang="en-US" dirty="0"/>
+              <a:t>Calculate the mean of your new ”forest boot” and ”field boot” and subtract as above</a:t>
+            </a:r>
+          </a:p>
+          <a:p>
+            <a:pPr lvl="1"/>
+            <a:r>
+              <a:rPr lang="en-US" dirty="0"/>
+              <a:t>Write down the difference (not on the game board)</a:t>
+            </a:r>
+          </a:p>
+          <a:p>
+            <a:pPr lvl="1"/>
+            <a:r>
+              <a:rPr lang="en-US" dirty="0"/>
+              <a:t>Do this 5 times and draw a histogram of your results</a:t>
+            </a:r>
+          </a:p>
+          <a:p>
+            <a:r>
+              <a:rPr lang="en-US" dirty="0"/>
+              <a:t>You have created a null distribution of outcomes! This distribution reflects what you might get if ant colony distribution was random and not due to habitat</a:t>
+            </a:r>
+          </a:p>
+          <a:p>
+            <a:r>
+              <a:rPr lang="en-US" dirty="0"/>
+              <a:t>Were any of YOUR random samples as extreme as the original result? </a:t>
+            </a:r>
+          </a:p>
+          <a:p>
+            <a:pPr lvl="1"/>
             <a:endParaRPr lang="en-US" dirty="0"/>
           </a:p>
           <a:p>
-            <a:r>
-              <a:rPr lang="en-US" dirty="0"/>
-              <a:t>5 have Field mean - Forest mean  ≥ 3.75</a:t>
-            </a:r>
-          </a:p>
-          <a:p>
-            <a:endParaRPr lang="en-US" dirty="0"/>
-          </a:p>
-          <a:p>
-            <a:r>
-              <a:rPr lang="en-US" dirty="0"/>
-              <a:t>What is our P value?</a:t>
-            </a:r>
-            <a:br>
-              <a:rPr lang="en-US" dirty="0"/>
-            </a:br>
-            <a:br>
-              <a:rPr lang="en-US" dirty="0"/>
-            </a:br>
-            <a:br>
-              <a:rPr lang="en-US" dirty="0"/>
-            </a:br>
-            <a:r>
-              <a:rPr lang="en-US" dirty="0"/>
-              <a:t>(now for the real problem </a:t>
-            </a:r>
-            <a:r>
-              <a:rPr lang="mr-IN" dirty="0"/>
-              <a:t>–</a:t>
-            </a:r>
-            <a:r>
-              <a:rPr lang="en-US" dirty="0"/>
-              <a:t> go to R)</a:t>
-            </a:r>
-            <a:r>
-              <a:rPr lang="mr-IN" dirty="0"/>
-              <a:t>…</a:t>
-            </a:r>
-            <a:br>
-              <a:rPr lang="en-US" dirty="0"/>
-            </a:br>
+            <a:pPr lvl="1"/>
             <a:endParaRPr lang="en-US" dirty="0"/>
           </a:p>
         </p:txBody>
@@ -4610,7 +4672,7 @@
     </p:spTree>
     <p:extLst>
       <p:ext uri="{BB962C8B-B14F-4D97-AF65-F5344CB8AC3E}">
-        <p14:creationId xmlns:p14="http://schemas.microsoft.com/office/powerpoint/2010/main" val="495020263"/>
+        <p14:creationId xmlns:p14="http://schemas.microsoft.com/office/powerpoint/2010/main" val="1694823903"/>
       </p:ext>
     </p:extLst>
   </p:cSld>
@@ -4654,7 +4716,7 @@
           <a:p>
             <a:r>
               <a:rPr lang="en-US" dirty="0"/>
-              <a:t>Ties and tails</a:t>
+              <a:t>Field and forest ants</a:t>
             </a:r>
           </a:p>
         </p:txBody>
@@ -4671,64 +4733,67 @@
         </p:nvSpPr>
         <p:spPr/>
         <p:txBody>
-          <a:bodyPr>
-            <a:normAutofit lnSpcReduction="10000"/>
-          </a:bodyPr>
-          <a:lstStyle/>
-          <a:p>
-            <a:r>
-              <a:rPr lang="en-US" dirty="0"/>
-              <a:t>“Ties” (permutations with a statistic equal to the observed statistic) “count” against significance</a:t>
-            </a:r>
-          </a:p>
-          <a:p>
-            <a:pPr lvl="1"/>
-            <a:r>
-              <a:rPr lang="en-US" dirty="0"/>
-              <a:t>Ties are evidence against our observation being unusual</a:t>
-            </a:r>
-          </a:p>
-          <a:p>
-            <a:pPr lvl="1"/>
+          <a:bodyPr/>
+          <a:lstStyle/>
+          <a:p>
+            <a:r>
+              <a:rPr lang="en-US" dirty="0"/>
+              <a:t>Total of 210 possible permutations</a:t>
+            </a:r>
+          </a:p>
+          <a:p>
             <a:endParaRPr lang="en-US" dirty="0"/>
           </a:p>
           <a:p>
             <a:r>
-              <a:rPr lang="en-US" i="1" dirty="0"/>
-              <a:t>The jury is out about the best way to calculate a two-tailed p-value</a:t>
-            </a:r>
-          </a:p>
-          <a:p>
-            <a:pPr lvl="1"/>
-            <a:r>
-              <a:rPr lang="en-US" dirty="0"/>
-              <a:t>One way: calculate a one-tailed P-value for the observed effect, and then double the P-value</a:t>
-            </a:r>
-          </a:p>
-          <a:p>
-            <a:pPr lvl="1"/>
-            <a:r>
-              <a:rPr lang="en-US" dirty="0"/>
-              <a:t>Other way: take the absolute value to tally every across both tails</a:t>
-            </a:r>
-          </a:p>
-          <a:p>
-            <a:pPr lvl="1"/>
+              <a:rPr lang="en-US" dirty="0"/>
+              <a:t>5 have Field mean - Forest mean  ≥ 3.75</a:t>
+            </a:r>
+          </a:p>
+          <a:p>
             <a:endParaRPr lang="en-US" dirty="0"/>
           </a:p>
           <a:p>
-            <a:pPr lvl="1"/>
-            <a:r>
-              <a:rPr lang="en-US" dirty="0"/>
-              <a:t>Classic tests assume everything is symmetric, so people often don’t need to think about this point. </a:t>
-            </a:r>
+            <a:r>
+              <a:rPr lang="en-US" dirty="0"/>
+              <a:t>What is our P value?</a:t>
+            </a:r>
+            <a:br>
+              <a:rPr lang="en-US" dirty="0"/>
+            </a:br>
+            <a:br>
+              <a:rPr lang="en-US" dirty="0"/>
+            </a:br>
+            <a:br>
+              <a:rPr lang="en-US" dirty="0"/>
+            </a:br>
+            <a:r>
+              <a:rPr lang="en-US" dirty="0"/>
+              <a:t>(now for the real problem </a:t>
+            </a:r>
+            <a:r>
+              <a:rPr lang="mr-IN" dirty="0"/>
+              <a:t>–</a:t>
+            </a:r>
+            <a:r>
+              <a:rPr lang="en-US" dirty="0"/>
+              <a:t> go to R)</a:t>
+            </a:r>
+            <a:r>
+              <a:rPr lang="mr-IN" dirty="0"/>
+              <a:t>…</a:t>
+            </a:r>
+            <a:br>
+              <a:rPr lang="en-US" dirty="0"/>
+            </a:br>
+            <a:endParaRPr lang="en-US" dirty="0"/>
           </a:p>
         </p:txBody>
       </p:sp>
     </p:spTree>
     <p:extLst>
       <p:ext uri="{BB962C8B-B14F-4D97-AF65-F5344CB8AC3E}">
-        <p14:creationId xmlns:p14="http://schemas.microsoft.com/office/powerpoint/2010/main" val="378878848"/>
+        <p14:creationId xmlns:p14="http://schemas.microsoft.com/office/powerpoint/2010/main" val="495020263"/>
       </p:ext>
     </p:extLst>
   </p:cSld>
@@ -4767,96 +4832,86 @@
         </p:nvSpPr>
         <p:spPr/>
         <p:txBody>
+          <a:bodyPr/>
+          <a:lstStyle/>
+          <a:p>
+            <a:r>
+              <a:rPr lang="en-US" dirty="0"/>
+              <a:t>Ties and tails</a:t>
+            </a:r>
+          </a:p>
+        </p:txBody>
+      </p:sp>
+      <p:sp>
+        <p:nvSpPr>
+          <p:cNvPr id="3" name="Content Placeholder 2"/>
+          <p:cNvSpPr>
+            <a:spLocks noGrp="1"/>
+          </p:cNvSpPr>
+          <p:nvPr>
+            <p:ph idx="1"/>
+          </p:nvPr>
+        </p:nvSpPr>
+        <p:spPr/>
+        <p:txBody>
           <a:bodyPr>
-            <a:normAutofit/>
+            <a:normAutofit lnSpcReduction="10000"/>
           </a:bodyPr>
           <a:lstStyle/>
           <a:p>
             <a:r>
-              <a:rPr lang="en-US" b="1" dirty="0"/>
-              <a:t>Which statistic should we use for permutations?</a:t>
-            </a:r>
+              <a:rPr lang="en-US" dirty="0"/>
+              <a:t>“Ties” (permutations with a statistic equal to the observed statistic) “count” against significance</a:t>
+            </a:r>
+          </a:p>
+          <a:p>
+            <a:pPr lvl="1"/>
+            <a:r>
+              <a:rPr lang="en-US" dirty="0"/>
+              <a:t>Ties are evidence against our observation being unusual</a:t>
+            </a:r>
+          </a:p>
+          <a:p>
+            <a:pPr lvl="1"/>
             <a:endParaRPr lang="en-US" dirty="0"/>
           </a:p>
-        </p:txBody>
-      </p:sp>
-      <p:sp>
-        <p:nvSpPr>
-          <p:cNvPr id="3" name="Content Placeholder 2"/>
-          <p:cNvSpPr>
-            <a:spLocks noGrp="1"/>
-          </p:cNvSpPr>
-          <p:nvPr>
-            <p:ph idx="1"/>
-          </p:nvPr>
-        </p:nvSpPr>
-        <p:spPr/>
-        <p:txBody>
-          <a:bodyPr>
-            <a:normAutofit/>
-          </a:bodyPr>
-          <a:lstStyle/>
-          <a:p>
-            <a:r>
-              <a:rPr lang="en-US" dirty="0"/>
-              <a:t>We can use any statistic we want, and get a valid test</a:t>
+          <a:p>
+            <a:r>
+              <a:rPr lang="en-US" i="1" dirty="0"/>
+              <a:t>The jury is out about the best way to calculate a two-tailed p-value</a:t>
             </a:r>
           </a:p>
           <a:p>
             <a:pPr lvl="1"/>
             <a:r>
-              <a:rPr lang="en-US" sz="2800" dirty="0"/>
-              <a:t>Means tend to have more power than medians</a:t>
+              <a:rPr lang="en-US" dirty="0"/>
+              <a:t>One way: calculate a one-tailed P-value for the observed effect, and then double the P-value</a:t>
             </a:r>
           </a:p>
           <a:p>
             <a:pPr lvl="1"/>
             <a:r>
-              <a:rPr lang="en-US" sz="2800" dirty="0"/>
-              <a:t>Transformations that make the data more normal also tend to increase power</a:t>
+              <a:rPr lang="en-US" dirty="0"/>
+              <a:t>Other way: take the absolute value to tally every across both tails</a:t>
             </a:r>
           </a:p>
           <a:p>
             <a:pPr lvl="1"/>
-            <a:endParaRPr lang="en-US" sz="2800" dirty="0"/>
+            <a:endParaRPr lang="en-US" dirty="0"/>
           </a:p>
           <a:p>
             <a:pPr lvl="1"/>
             <a:r>
-              <a:rPr lang="en-US" sz="2800" dirty="0"/>
-              <a:t>Using the geometric mean (the </a:t>
-            </a:r>
-            <a:r>
-              <a:rPr lang="en-US" sz="2800" i="1" dirty="0"/>
-              <a:t>nth</a:t>
-            </a:r>
-            <a:r>
-              <a:rPr lang="en-US" sz="2800" dirty="0"/>
-              <a:t> root of the product of </a:t>
-            </a:r>
-            <a:r>
-              <a:rPr lang="en-US" sz="2800" i="1" dirty="0"/>
-              <a:t>n </a:t>
-            </a:r>
-            <a:r>
-              <a:rPr lang="en-US" sz="2800" dirty="0"/>
-              <a:t>numbers) is equivalent to a log transformation</a:t>
-            </a:r>
-          </a:p>
-          <a:p>
-            <a:pPr lvl="1"/>
-            <a:endParaRPr lang="en-US" sz="2800" dirty="0"/>
-          </a:p>
-          <a:p>
-            <a:pPr lvl="1"/>
-            <a:endParaRPr lang="en-US" sz="2800" dirty="0"/>
+              <a:rPr lang="en-US" dirty="0"/>
+              <a:t>Classic tests assume everything is symmetric, so people often don’t need to think about this point. </a:t>
+            </a:r>
           </a:p>
         </p:txBody>
       </p:sp>
     </p:spTree>
     <p:extLst>
       <p:ext uri="{BB962C8B-B14F-4D97-AF65-F5344CB8AC3E}">
-        <p14:creationId xmlns:p14="http://schemas.microsoft.com/office/powerpoint/2010/main" val="1983758822"/>
+        <p14:creationId xmlns:p14="http://schemas.microsoft.com/office/powerpoint/2010/main" val="378878848"/>
       </p:ext>
     </p:extLst>
   </p:cSld>
@@ -4895,61 +4950,96 @@
         </p:nvSpPr>
         <p:spPr/>
         <p:txBody>
-          <a:bodyPr/>
-          <a:lstStyle/>
-          <a:p>
-            <a:r>
-              <a:rPr lang="en-US" dirty="0"/>
-              <a:t>Permutation Power</a:t>
-            </a:r>
-          </a:p>
-        </p:txBody>
-      </p:sp>
-      <p:sp>
-        <p:nvSpPr>
-          <p:cNvPr id="3" name="Content Placeholder 2"/>
-          <p:cNvSpPr>
-            <a:spLocks noGrp="1"/>
-          </p:cNvSpPr>
-          <p:nvPr>
-            <p:ph idx="1"/>
-          </p:nvPr>
-        </p:nvSpPr>
-        <p:spPr/>
-        <p:txBody>
           <a:bodyPr>
             <a:normAutofit/>
           </a:bodyPr>
           <a:lstStyle/>
           <a:p>
             <a:r>
-              <a:rPr lang="en-US" sz="4000" dirty="0"/>
-              <a:t>You can test anything, if you can:</a:t>
+              <a:rPr lang="en-US" b="1" dirty="0"/>
+              <a:t>Which statistic should we use for permutations?</a:t>
+            </a:r>
+            <a:endParaRPr lang="en-US" dirty="0"/>
+          </a:p>
+        </p:txBody>
+      </p:sp>
+      <p:sp>
+        <p:nvSpPr>
+          <p:cNvPr id="3" name="Content Placeholder 2"/>
+          <p:cNvSpPr>
+            <a:spLocks noGrp="1"/>
+          </p:cNvSpPr>
+          <p:nvPr>
+            <p:ph idx="1"/>
+          </p:nvPr>
+        </p:nvSpPr>
+        <p:spPr/>
+        <p:txBody>
+          <a:bodyPr>
+            <a:normAutofit/>
+          </a:bodyPr>
+          <a:lstStyle/>
+          <a:p>
+            <a:r>
+              <a:rPr lang="en-US" dirty="0"/>
+              <a:t>We can use any statistic we want, and get a valid test</a:t>
             </a:r>
           </a:p>
           <a:p>
             <a:pPr lvl="1"/>
             <a:r>
-              <a:rPr lang="en-US" sz="4000" dirty="0"/>
-              <a:t>Measure it with a statistic</a:t>
+              <a:rPr lang="en-US" sz="2800" dirty="0"/>
+              <a:t>Means tend to have more power than medians</a:t>
             </a:r>
           </a:p>
           <a:p>
             <a:pPr lvl="1"/>
             <a:r>
-              <a:rPr lang="en-US" sz="4000" dirty="0"/>
-              <a:t>Come up with a permutation approach that reflects a scientific question</a:t>
-            </a:r>
-          </a:p>
-          <a:p>
-            <a:endParaRPr lang="en-US" sz="4000" dirty="0"/>
+              <a:rPr lang="en-US" sz="2800" dirty="0"/>
+              <a:t>Transformations that make the data more normal also tend to increase power</a:t>
+            </a:r>
+          </a:p>
+          <a:p>
+            <a:pPr lvl="1"/>
+            <a:endParaRPr lang="en-US" sz="2800" dirty="0"/>
+          </a:p>
+          <a:p>
+            <a:pPr lvl="1"/>
+            <a:r>
+              <a:rPr lang="en-US" sz="2800" dirty="0"/>
+              <a:t>Using the geometric mean (the </a:t>
+            </a:r>
+            <a:r>
+              <a:rPr lang="en-US" sz="2800" i="1" dirty="0"/>
+              <a:t>nth</a:t>
+            </a:r>
+            <a:r>
+              <a:rPr lang="en-US" sz="2800" dirty="0"/>
+              <a:t> root of the product of </a:t>
+            </a:r>
+            <a:r>
+              <a:rPr lang="en-US" sz="2800" i="1" dirty="0"/>
+              <a:t>n </a:t>
+            </a:r>
+            <a:r>
+              <a:rPr lang="en-US" sz="2800" dirty="0"/>
+              <a:t>numbers) is equivalent to a log transformation</a:t>
+            </a:r>
+          </a:p>
+          <a:p>
+            <a:pPr lvl="1"/>
+            <a:endParaRPr lang="en-US" sz="2800" dirty="0"/>
+          </a:p>
+          <a:p>
+            <a:pPr lvl="1"/>
+            <a:endParaRPr lang="en-US" sz="2800" dirty="0"/>
           </a:p>
         </p:txBody>
       </p:sp>
     </p:spTree>
     <p:extLst>
       <p:ext uri="{BB962C8B-B14F-4D97-AF65-F5344CB8AC3E}">
-        <p14:creationId xmlns:p14="http://schemas.microsoft.com/office/powerpoint/2010/main" val="1136291904"/>
+        <p14:creationId xmlns:p14="http://schemas.microsoft.com/office/powerpoint/2010/main" val="1983758822"/>
       </p:ext>
     </p:extLst>
   </p:cSld>
@@ -4993,7 +5083,7 @@
           <a:p>
             <a:r>
               <a:rPr lang="en-US" dirty="0"/>
-              <a:t>A little more about permutations</a:t>
+              <a:t>Permutation Power</a:t>
             </a:r>
           </a:p>
         </p:txBody>
@@ -5010,108 +5100,39 @@
         </p:nvSpPr>
         <p:spPr/>
         <p:txBody>
-          <a:bodyPr/>
-          <a:lstStyle/>
-          <a:p>
-            <a:r>
-              <a:rPr lang="en-US" dirty="0"/>
-              <a:t>There are packages for doing permutations </a:t>
-            </a:r>
-            <a:r>
-              <a:rPr lang="mr-IN" dirty="0"/>
-              <a:t>–</a:t>
-            </a:r>
-            <a:r>
-              <a:rPr lang="en-US" dirty="0"/>
-              <a:t> coin is one</a:t>
+          <a:bodyPr>
+            <a:normAutofit/>
+          </a:bodyPr>
+          <a:lstStyle/>
+          <a:p>
+            <a:r>
+              <a:rPr lang="en-US" sz="4000" dirty="0"/>
+              <a:t>You can test anything, if you can:</a:t>
             </a:r>
           </a:p>
           <a:p>
             <a:pPr lvl="1"/>
             <a:r>
-              <a:rPr lang="en-US" dirty="0"/>
-              <a:t>This package is very powerful (and a bit complicated)</a:t>
+              <a:rPr lang="en-US" sz="4000" dirty="0"/>
+              <a:t>Measure it with a statistic</a:t>
             </a:r>
           </a:p>
           <a:p>
             <a:pPr lvl="1"/>
-            <a:endParaRPr lang="en-US" dirty="0"/>
-          </a:p>
-          <a:p>
-            <a:r>
-              <a:rPr lang="en-US" dirty="0"/>
-              <a:t>They will ask you to choose a type of p-value </a:t>
-            </a:r>
-          </a:p>
-          <a:p>
-            <a:r>
-              <a:rPr lang="en-US" b="1" dirty="0" err="1"/>
-              <a:t>oneway_test</a:t>
-            </a:r>
-            <a:r>
-              <a:rPr lang="en-US" dirty="0"/>
-              <a:t>(</a:t>
-            </a:r>
-            <a:r>
-              <a:rPr lang="en-US" dirty="0" err="1"/>
-              <a:t>colonies~place,data</a:t>
-            </a:r>
-            <a:r>
-              <a:rPr lang="en-US" dirty="0"/>
-              <a:t>=</a:t>
-            </a:r>
-            <a:r>
-              <a:rPr lang="en-US" dirty="0" err="1"/>
-              <a:t>ants,distribution</a:t>
-            </a:r>
-            <a:r>
-              <a:rPr lang="en-US" dirty="0"/>
-              <a:t>=</a:t>
-            </a:r>
-            <a:r>
-              <a:rPr lang="en-US" b="1" dirty="0"/>
-              <a:t>approximate</a:t>
-            </a:r>
-            <a:r>
-              <a:rPr lang="en-US" dirty="0"/>
-              <a:t>(</a:t>
-            </a:r>
-            <a:r>
-              <a:rPr lang="en-US" dirty="0" err="1"/>
-              <a:t>nresample</a:t>
-            </a:r>
-            <a:r>
-              <a:rPr lang="en-US" dirty="0"/>
-              <a:t>=9999))</a:t>
-            </a:r>
-          </a:p>
-          <a:p>
-            <a:pPr lvl="1"/>
-            <a:r>
-              <a:rPr lang="en-US" dirty="0"/>
-              <a:t>This should be equivalent to our simulation method</a:t>
-            </a:r>
-          </a:p>
-          <a:p>
-            <a:pPr lvl="1"/>
-            <a:r>
-              <a:rPr lang="en-US" dirty="0"/>
-              <a:t>My opinion: Brute force methods (e.g. writing a loop) still provide a more explicit way to do permutations</a:t>
-            </a:r>
-            <a:br>
-              <a:rPr lang="en-US" dirty="0"/>
-            </a:br>
-            <a:endParaRPr lang="en-US" dirty="0"/>
-          </a:p>
-          <a:p>
-            <a:endParaRPr lang="en-US" dirty="0"/>
+            <a:r>
+              <a:rPr lang="en-US" sz="4000" dirty="0"/>
+              <a:t>Come up with a permutation approach that reflects a scientific question</a:t>
+            </a:r>
+          </a:p>
+          <a:p>
+            <a:endParaRPr lang="en-US" sz="4000" dirty="0"/>
           </a:p>
         </p:txBody>
       </p:sp>
     </p:spTree>
     <p:extLst>
       <p:ext uri="{BB962C8B-B14F-4D97-AF65-F5344CB8AC3E}">
-        <p14:creationId xmlns:p14="http://schemas.microsoft.com/office/powerpoint/2010/main" val="811180735"/>
+        <p14:creationId xmlns:p14="http://schemas.microsoft.com/office/powerpoint/2010/main" val="1136291904"/>
       </p:ext>
     </p:extLst>
   </p:cSld>
@@ -5155,7 +5176,7 @@
           <a:p>
             <a:r>
               <a:rPr lang="en-US" dirty="0"/>
-              <a:t>Permutation Summary</a:t>
+              <a:t>A little more about permutations</a:t>
             </a:r>
           </a:p>
         </p:txBody>
@@ -5172,66 +5193,98 @@
         </p:nvSpPr>
         <p:spPr/>
         <p:txBody>
-          <a:bodyPr>
-            <a:normAutofit fontScale="92500" lnSpcReduction="20000"/>
-          </a:bodyPr>
-          <a:lstStyle/>
-          <a:p>
-            <a:r>
-              <a:rPr lang="en-US" dirty="0"/>
-              <a:t>Advantages</a:t>
-            </a:r>
-          </a:p>
-          <a:p>
-            <a:r>
-              <a:rPr lang="en-US" dirty="0"/>
-              <a:t>General applicability</a:t>
-            </a:r>
-          </a:p>
-          <a:p>
-            <a:r>
-              <a:rPr lang="en-US" dirty="0"/>
-              <a:t>Conceptual clarity</a:t>
-            </a:r>
-          </a:p>
-          <a:p>
-            <a:r>
-              <a:rPr lang="en-US" dirty="0"/>
-              <a:t>Flexibility</a:t>
-            </a:r>
-          </a:p>
-          <a:p>
-            <a:r>
-              <a:rPr lang="en-US" dirty="0"/>
-              <a:t>Fewer assumptions</a:t>
-            </a:r>
-          </a:p>
-          <a:p>
+          <a:bodyPr/>
+          <a:lstStyle/>
+          <a:p>
+            <a:r>
+              <a:rPr lang="en-US" dirty="0"/>
+              <a:t>There are packages for doing permutations </a:t>
+            </a:r>
+            <a:r>
+              <a:rPr lang="mr-IN" dirty="0"/>
+              <a:t>–</a:t>
+            </a:r>
+            <a:r>
+              <a:rPr lang="en-US" dirty="0"/>
+              <a:t> coin is one</a:t>
+            </a:r>
+          </a:p>
+          <a:p>
+            <a:pPr lvl="1"/>
+            <a:r>
+              <a:rPr lang="en-US" dirty="0"/>
+              <a:t>This package is very powerful (and a bit complicated)</a:t>
+            </a:r>
+          </a:p>
+          <a:p>
+            <a:pPr lvl="1"/>
             <a:endParaRPr lang="en-US" dirty="0"/>
           </a:p>
           <a:p>
             <a:r>
               <a:rPr lang="en-US" dirty="0"/>
-              <a:t>Disadvantages</a:t>
-            </a:r>
-          </a:p>
-          <a:p>
-            <a:r>
-              <a:rPr lang="en-US" dirty="0"/>
-              <a:t>Hard to implement</a:t>
-            </a:r>
-          </a:p>
-          <a:p>
-            <a:r>
-              <a:rPr lang="en-US" dirty="0"/>
-              <a:t>May take a lot of computer time</a:t>
-            </a:r>
-          </a:p>
-          <a:p>
-            <a:r>
-              <a:rPr lang="en-US" dirty="0"/>
-              <a:t>May be hard to obtain confidence intervals without distributional assumptions</a:t>
-            </a:r>
+              <a:t>They will ask you to choose a type of p-value </a:t>
+            </a:r>
+          </a:p>
+          <a:p>
+            <a:r>
+              <a:rPr lang="en-US" b="1" dirty="0" err="1"/>
+              <a:t>oneway_test</a:t>
+            </a:r>
+            <a:r>
+              <a:rPr lang="en-US" dirty="0"/>
+              <a:t>(</a:t>
+            </a:r>
+            <a:r>
+              <a:rPr lang="en-US" dirty="0" err="1"/>
+              <a:t>colonies~place,data</a:t>
+            </a:r>
+            <a:r>
+              <a:rPr lang="en-US" dirty="0"/>
+              <a:t>=</a:t>
+            </a:r>
+            <a:r>
+              <a:rPr lang="en-US" dirty="0" err="1"/>
+              <a:t>ants,distribution</a:t>
+            </a:r>
+            <a:r>
+              <a:rPr lang="en-US" dirty="0"/>
+              <a:t>=</a:t>
+            </a:r>
+            <a:r>
+              <a:rPr lang="en-US" b="1" dirty="0"/>
+              <a:t>approximate</a:t>
+            </a:r>
+            <a:r>
+              <a:rPr lang="en-US" dirty="0"/>
+              <a:t>(</a:t>
+            </a:r>
+            <a:r>
+              <a:rPr lang="en-US" dirty="0" err="1"/>
+              <a:t>nresample</a:t>
+            </a:r>
+            <a:r>
+              <a:rPr lang="en-US" dirty="0"/>
+              <a:t>=9999))</a:t>
+            </a:r>
+          </a:p>
+          <a:p>
+            <a:pPr lvl="1"/>
+            <a:r>
+              <a:rPr lang="en-US" dirty="0"/>
+              <a:t>This should be equivalent to our simulation method</a:t>
+            </a:r>
+          </a:p>
+          <a:p>
+            <a:pPr lvl="1"/>
+            <a:r>
+              <a:rPr lang="en-US" dirty="0"/>
+              <a:t>My opinion: Brute force methods (e.g. writing a loop) still provide a more explicit way to do permutations</a:t>
+            </a:r>
+            <a:br>
+              <a:rPr lang="en-US" dirty="0"/>
+            </a:br>
+            <a:endParaRPr lang="en-US" dirty="0"/>
           </a:p>
           <a:p>
             <a:endParaRPr lang="en-US" dirty="0"/>
@@ -5241,7 +5294,7 @@
     </p:spTree>
     <p:extLst>
       <p:ext uri="{BB962C8B-B14F-4D97-AF65-F5344CB8AC3E}">
-        <p14:creationId xmlns:p14="http://schemas.microsoft.com/office/powerpoint/2010/main" val="1856310743"/>
+        <p14:creationId xmlns:p14="http://schemas.microsoft.com/office/powerpoint/2010/main" val="811180735"/>
       </p:ext>
     </p:extLst>
   </p:cSld>
@@ -5480,13 +5533,7 @@
       </p:grpSpPr>
       <p:sp>
         <p:nvSpPr>
-          <p:cNvPr id="2" name="Title 1">
-            <a:extLst>
-              <a:ext uri="{FF2B5EF4-FFF2-40B4-BE49-F238E27FC236}">
-                <a16:creationId xmlns:a16="http://schemas.microsoft.com/office/drawing/2014/main" id="{59A3B0B6-FF46-2248-87C1-42576F4061CB}"/>
-              </a:ext>
-            </a:extLst>
-          </p:cNvPr>
+          <p:cNvPr id="2" name="Title 1"/>
           <p:cNvSpPr>
             <a:spLocks noGrp="1"/>
           </p:cNvSpPr>
@@ -5501,20 +5548,14 @@
           <a:p>
             <a:r>
               <a:rPr lang="en-US" dirty="0"/>
-              <a:t>“Classical” tests</a:t>
-            </a:r>
-          </a:p>
-        </p:txBody>
-      </p:sp>
-      <p:sp>
-        <p:nvSpPr>
-          <p:cNvPr id="3" name="Content Placeholder 2">
-            <a:extLst>
-              <a:ext uri="{FF2B5EF4-FFF2-40B4-BE49-F238E27FC236}">
-                <a16:creationId xmlns:a16="http://schemas.microsoft.com/office/drawing/2014/main" id="{0F57B95E-DFBD-A64E-A691-6375B64E9341}"/>
-              </a:ext>
-            </a:extLst>
-          </p:cNvPr>
+              <a:t>Permutation Summary</a:t>
+            </a:r>
+          </a:p>
+        </p:txBody>
+      </p:sp>
+      <p:sp>
+        <p:nvSpPr>
+          <p:cNvPr id="3" name="Content Placeholder 2"/>
           <p:cNvSpPr>
             <a:spLocks noGrp="1"/>
           </p:cNvSpPr>
@@ -5524,12 +5565,38 @@
         </p:nvSpPr>
         <p:spPr/>
         <p:txBody>
-          <a:bodyPr/>
-          <a:lstStyle/>
-          <a:p>
-            <a:r>
-              <a:rPr lang="en-US" dirty="0"/>
-              <a:t>There are lots of pre-packaged tests implemented in R</a:t>
+          <a:bodyPr>
+            <a:normAutofit fontScale="92500" lnSpcReduction="20000"/>
+          </a:bodyPr>
+          <a:lstStyle/>
+          <a:p>
+            <a:r>
+              <a:rPr lang="en-US" dirty="0"/>
+              <a:t>Advantages</a:t>
+            </a:r>
+          </a:p>
+          <a:p>
+            <a:r>
+              <a:rPr lang="en-US" dirty="0"/>
+              <a:t>General applicability</a:t>
+            </a:r>
+          </a:p>
+          <a:p>
+            <a:r>
+              <a:rPr lang="en-US" dirty="0"/>
+              <a:t>Conceptual clarity</a:t>
+            </a:r>
+          </a:p>
+          <a:p>
+            <a:r>
+              <a:rPr lang="en-US" dirty="0"/>
+              <a:t>Flexibility</a:t>
+            </a:r>
+          </a:p>
+          <a:p>
+            <a:r>
+              <a:rPr lang="en-US" dirty="0"/>
+              <a:t>Fewer assumptions</a:t>
             </a:r>
           </a:p>
           <a:p>
@@ -5538,23 +5605,36 @@
           <a:p>
             <a:r>
               <a:rPr lang="en-US" dirty="0"/>
-              <a:t>We’ll talk about some of the commonly used ones and leave the rest for you to review on your own in the </a:t>
-            </a:r>
-            <a:r>
-              <a:rPr lang="en-US" dirty="0" err="1"/>
-              <a:t>powerpoint</a:t>
-            </a:r>
-            <a:r>
-              <a:rPr lang="en-US" dirty="0"/>
-              <a:t> slides</a:t>
-            </a:r>
+              <a:t>Disadvantages</a:t>
+            </a:r>
+          </a:p>
+          <a:p>
+            <a:r>
+              <a:rPr lang="en-US" dirty="0"/>
+              <a:t>Hard to implement</a:t>
+            </a:r>
+          </a:p>
+          <a:p>
+            <a:r>
+              <a:rPr lang="en-US" dirty="0"/>
+              <a:t>May take a lot of computer time</a:t>
+            </a:r>
+          </a:p>
+          <a:p>
+            <a:r>
+              <a:rPr lang="en-US" dirty="0"/>
+              <a:t>May be hard to obtain confidence intervals without distributional assumptions</a:t>
+            </a:r>
+          </a:p>
+          <a:p>
+            <a:endParaRPr lang="en-US" dirty="0"/>
           </a:p>
         </p:txBody>
       </p:sp>
     </p:spTree>
     <p:extLst>
       <p:ext uri="{BB962C8B-B14F-4D97-AF65-F5344CB8AC3E}">
-        <p14:creationId xmlns:p14="http://schemas.microsoft.com/office/powerpoint/2010/main" val="3544176793"/>
+        <p14:creationId xmlns:p14="http://schemas.microsoft.com/office/powerpoint/2010/main" val="1856310743"/>
       </p:ext>
     </p:extLst>
   </p:cSld>
@@ -5583,7 +5663,13 @@
       </p:grpSpPr>
       <p:sp>
         <p:nvSpPr>
-          <p:cNvPr id="2" name="Title 1"/>
+          <p:cNvPr id="2" name="Title 1">
+            <a:extLst>
+              <a:ext uri="{FF2B5EF4-FFF2-40B4-BE49-F238E27FC236}">
+                <a16:creationId xmlns:a16="http://schemas.microsoft.com/office/drawing/2014/main" id="{59A3B0B6-FF46-2248-87C1-42576F4061CB}"/>
+              </a:ext>
+            </a:extLst>
+          </p:cNvPr>
           <p:cNvSpPr>
             <a:spLocks noGrp="1"/>
           </p:cNvSpPr>
@@ -5598,14 +5684,20 @@
           <a:p>
             <a:r>
               <a:rPr lang="en-US" dirty="0"/>
-              <a:t>T-test (two-sample, one-sample, paired)</a:t>
-            </a:r>
-          </a:p>
-        </p:txBody>
-      </p:sp>
-      <p:sp>
-        <p:nvSpPr>
-          <p:cNvPr id="3" name="Content Placeholder 2"/>
+              <a:t>“Classical” tests</a:t>
+            </a:r>
+          </a:p>
+        </p:txBody>
+      </p:sp>
+      <p:sp>
+        <p:nvSpPr>
+          <p:cNvPr id="3" name="Content Placeholder 2">
+            <a:extLst>
+              <a:ext uri="{FF2B5EF4-FFF2-40B4-BE49-F238E27FC236}">
+                <a16:creationId xmlns:a16="http://schemas.microsoft.com/office/drawing/2014/main" id="{0F57B95E-DFBD-A64E-A691-6375B64E9341}"/>
+              </a:ext>
+            </a:extLst>
+          </p:cNvPr>
           <p:cNvSpPr>
             <a:spLocks noGrp="1"/>
           </p:cNvSpPr>
@@ -5615,67 +5707,29 @@
         </p:nvSpPr>
         <p:spPr/>
         <p:txBody>
-          <a:bodyPr>
-            <a:normAutofit fontScale="85000" lnSpcReduction="20000"/>
-          </a:bodyPr>
-          <a:lstStyle/>
-          <a:p>
-            <a:r>
-              <a:rPr lang="en-US" dirty="0"/>
-              <a:t>Two-sample: Used to ask if two means are significantly different</a:t>
-            </a:r>
-          </a:p>
-          <a:p>
-            <a:pPr lvl="1"/>
-            <a:r>
-              <a:rPr lang="en-US" dirty="0"/>
-              <a:t>Often called a Student’s t-test, unpaired t-test, or independent samples t-test</a:t>
-            </a:r>
-          </a:p>
-          <a:p>
-            <a:pPr lvl="1"/>
+          <a:bodyPr/>
+          <a:lstStyle/>
+          <a:p>
+            <a:r>
+              <a:rPr lang="en-US" dirty="0"/>
+              <a:t>There are lots of pre-packaged tests implemented in R</a:t>
+            </a:r>
+          </a:p>
+          <a:p>
             <a:endParaRPr lang="en-US" dirty="0"/>
           </a:p>
           <a:p>
             <a:r>
               <a:rPr lang="en-US" dirty="0"/>
-              <a:t>One-sample: Used to ask if one thing is significantly different from some value (e.g. confidence intervals)</a:t>
-            </a:r>
-          </a:p>
-          <a:p>
-            <a:endParaRPr lang="en-US" dirty="0"/>
-          </a:p>
-          <a:p>
-            <a:r>
-              <a:rPr lang="en-US" dirty="0"/>
-              <a:t>Paired: Used to ask if two samples from the same “unit” (e.g. plot, person, site) are significantly different</a:t>
-            </a:r>
-          </a:p>
-          <a:p>
-            <a:pPr lvl="1"/>
-            <a:r>
-              <a:rPr lang="en-US" dirty="0"/>
-              <a:t>E.g. Was bat infection on more or less after our treatment?</a:t>
-            </a:r>
-          </a:p>
-          <a:p>
-            <a:pPr lvl="1"/>
-            <a:r>
-              <a:rPr lang="en-US" dirty="0"/>
-              <a:t>The unit could be an individual bat, (e.g. Susie before treatment or Susie after treatment) OR the unit could be prevalence of infection at a site (e.g. Bear Cave before and after treatment)</a:t>
-            </a:r>
-          </a:p>
-          <a:p>
-            <a:pPr lvl="1"/>
-            <a:r>
-              <a:rPr lang="en-US" dirty="0"/>
-              <a:t>The many units would then be 15 bats measured before and after treatment, or 15 caves measured before and after treatment</a:t>
-            </a:r>
-          </a:p>
-          <a:p>
-            <a:r>
-              <a:rPr lang="en-US" dirty="0"/>
-              <a:t>To use a T-test, each of the two populations should follow a normal distribution</a:t>
+              <a:t>We’ll talk about some of the commonly used ones and leave the rest for you to review on your own in the </a:t>
+            </a:r>
+            <a:r>
+              <a:rPr lang="en-US" dirty="0" err="1"/>
+              <a:t>powerpoint</a:t>
+            </a:r>
+            <a:r>
+              <a:rPr lang="en-US" dirty="0"/>
+              <a:t> slides</a:t>
             </a:r>
           </a:p>
         </p:txBody>
@@ -5683,7 +5737,7 @@
     </p:spTree>
     <p:extLst>
       <p:ext uri="{BB962C8B-B14F-4D97-AF65-F5344CB8AC3E}">
-        <p14:creationId xmlns:p14="http://schemas.microsoft.com/office/powerpoint/2010/main" val="1227985366"/>
+        <p14:creationId xmlns:p14="http://schemas.microsoft.com/office/powerpoint/2010/main" val="3544176793"/>
       </p:ext>
     </p:extLst>
   </p:cSld>
@@ -5727,7 +5781,7 @@
           <a:p>
             <a:r>
               <a:rPr lang="en-US" dirty="0"/>
-              <a:t>T-test variance</a:t>
+              <a:t>T-test (two-sample, one-sample, paired)</a:t>
             </a:r>
           </a:p>
         </p:txBody>
@@ -5744,21 +5798,67 @@
         </p:nvSpPr>
         <p:spPr/>
         <p:txBody>
-          <a:bodyPr/>
-          <a:lstStyle/>
-          <a:p>
-            <a:r>
-              <a:rPr lang="en-US" dirty="0"/>
-              <a:t>A slightly silly nuance is that a classical student’s t-test assumes variances are also equal</a:t>
-            </a:r>
-          </a:p>
-          <a:p>
+          <a:bodyPr>
+            <a:normAutofit fontScale="85000" lnSpcReduction="20000"/>
+          </a:bodyPr>
+          <a:lstStyle/>
+          <a:p>
+            <a:r>
+              <a:rPr lang="en-US" dirty="0"/>
+              <a:t>Two-sample: Used to ask if two means are significantly different</a:t>
+            </a:r>
+          </a:p>
+          <a:p>
+            <a:pPr lvl="1"/>
+            <a:r>
+              <a:rPr lang="en-US" dirty="0"/>
+              <a:t>Often called a Student’s t-test, unpaired t-test, or independent samples t-test</a:t>
+            </a:r>
+          </a:p>
+          <a:p>
+            <a:pPr lvl="1"/>
             <a:endParaRPr lang="en-US" dirty="0"/>
           </a:p>
           <a:p>
             <a:r>
               <a:rPr lang="en-US" dirty="0"/>
-              <a:t>If you don’t want to add that assumption, you are technically doing Welch’s t-test (and this is the default in R)</a:t>
+              <a:t>One-sample: Used to ask if one thing is significantly different from some value (e.g. confidence intervals)</a:t>
+            </a:r>
+          </a:p>
+          <a:p>
+            <a:endParaRPr lang="en-US" dirty="0"/>
+          </a:p>
+          <a:p>
+            <a:r>
+              <a:rPr lang="en-US" dirty="0"/>
+              <a:t>Paired: Used to ask if two samples from the same “unit” (e.g. plot, person, site) are significantly different</a:t>
+            </a:r>
+          </a:p>
+          <a:p>
+            <a:pPr lvl="1"/>
+            <a:r>
+              <a:rPr lang="en-US" dirty="0"/>
+              <a:t>E.g. Was bat infection on more or less after our treatment?</a:t>
+            </a:r>
+          </a:p>
+          <a:p>
+            <a:pPr lvl="1"/>
+            <a:r>
+              <a:rPr lang="en-US" dirty="0"/>
+              <a:t>The unit could be an individual bat, (e.g. Susie before treatment or Susie after treatment) OR the unit could be prevalence of infection at a site (e.g. Bear Cave before and after treatment)</a:t>
+            </a:r>
+          </a:p>
+          <a:p>
+            <a:pPr lvl="1"/>
+            <a:r>
+              <a:rPr lang="en-US" dirty="0"/>
+              <a:t>The many units would then be 15 bats measured before and after treatment, or 15 caves measured before and after treatment</a:t>
+            </a:r>
+          </a:p>
+          <a:p>
+            <a:r>
+              <a:rPr lang="en-US" dirty="0"/>
+              <a:t>To use a T-test, each of the two populations should follow a normal distribution</a:t>
             </a:r>
           </a:p>
         </p:txBody>
@@ -5766,7 +5866,7 @@
     </p:spTree>
     <p:extLst>
       <p:ext uri="{BB962C8B-B14F-4D97-AF65-F5344CB8AC3E}">
-        <p14:creationId xmlns:p14="http://schemas.microsoft.com/office/powerpoint/2010/main" val="726402733"/>
+        <p14:creationId xmlns:p14="http://schemas.microsoft.com/office/powerpoint/2010/main" val="1227985366"/>
       </p:ext>
     </p:extLst>
   </p:cSld>
@@ -5810,15 +5910,7 @@
           <a:p>
             <a:r>
               <a:rPr lang="en-US" dirty="0"/>
-              <a:t>Go to R</a:t>
-            </a:r>
-            <a:r>
-              <a:rPr lang="mr-IN" dirty="0"/>
-              <a:t>…</a:t>
-            </a:r>
-            <a:r>
-              <a:rPr lang="en-US" dirty="0"/>
-              <a:t>.t-tests</a:t>
+              <a:t>T-test variance</a:t>
             </a:r>
           </a:p>
         </p:txBody>
@@ -5838,14 +5930,26 @@
           <a:bodyPr/>
           <a:lstStyle/>
           <a:p>
-            <a:endParaRPr lang="en-US"/>
+            <a:r>
+              <a:rPr lang="en-US" dirty="0"/>
+              <a:t>A slightly silly nuance is that a classical student’s t-test assumes variances are also equal</a:t>
+            </a:r>
+          </a:p>
+          <a:p>
+            <a:endParaRPr lang="en-US" dirty="0"/>
+          </a:p>
+          <a:p>
+            <a:r>
+              <a:rPr lang="en-US" dirty="0"/>
+              <a:t>If you don’t want to add that assumption, you are technically doing Welch’s t-test (and this is the default in R)</a:t>
+            </a:r>
           </a:p>
         </p:txBody>
       </p:sp>
     </p:spTree>
     <p:extLst>
       <p:ext uri="{BB962C8B-B14F-4D97-AF65-F5344CB8AC3E}">
-        <p14:creationId xmlns:p14="http://schemas.microsoft.com/office/powerpoint/2010/main" val="175530512"/>
+        <p14:creationId xmlns:p14="http://schemas.microsoft.com/office/powerpoint/2010/main" val="726402733"/>
       </p:ext>
     </p:extLst>
   </p:cSld>
@@ -5889,7 +5993,15 @@
           <a:p>
             <a:r>
               <a:rPr lang="en-US" dirty="0"/>
-              <a:t>T-tests are powerful</a:t>
+              <a:t>Go to R</a:t>
+            </a:r>
+            <a:r>
+              <a:rPr lang="mr-IN" dirty="0"/>
+              <a:t>…</a:t>
+            </a:r>
+            <a:r>
+              <a:rPr lang="en-US" dirty="0"/>
+              <a:t>.t-tests</a:t>
             </a:r>
           </a:p>
         </p:txBody>
@@ -5909,42 +6021,14 @@
           <a:bodyPr/>
           <a:lstStyle/>
           <a:p>
-            <a:r>
-              <a:rPr lang="en-US" dirty="0"/>
-              <a:t>T-tests can be very powerful, paired t-tests can be more powerful than unpaired</a:t>
-            </a:r>
-          </a:p>
-          <a:p>
-            <a:pPr lvl="1"/>
-            <a:r>
-              <a:rPr lang="en-US" i="1" dirty="0"/>
-              <a:t>Try changing the amount you adding or subtracting to each forest value, and then running the paired and unpaired tests. What do you find?</a:t>
-            </a:r>
-          </a:p>
-          <a:p>
-            <a:endParaRPr lang="en-US" dirty="0"/>
-          </a:p>
-          <a:p>
-            <a:r>
-              <a:rPr lang="en-US" dirty="0"/>
-              <a:t>We can see that our p-values for a t-test are more powerful than if we did a permutation</a:t>
-            </a:r>
-          </a:p>
-          <a:p>
-            <a:endParaRPr lang="en-US" dirty="0"/>
-          </a:p>
-          <a:p>
-            <a:r>
-              <a:rPr lang="en-US" dirty="0"/>
-              <a:t>But what about the assumptions?</a:t>
-            </a:r>
+            <a:endParaRPr lang="en-US"/>
           </a:p>
         </p:txBody>
       </p:sp>
     </p:spTree>
     <p:extLst>
       <p:ext uri="{BB962C8B-B14F-4D97-AF65-F5344CB8AC3E}">
-        <p14:creationId xmlns:p14="http://schemas.microsoft.com/office/powerpoint/2010/main" val="650816266"/>
+        <p14:creationId xmlns:p14="http://schemas.microsoft.com/office/powerpoint/2010/main" val="175530512"/>
       </p:ext>
     </p:extLst>
   </p:cSld>
@@ -5986,10 +6070,9 @@
           <a:bodyPr/>
           <a:lstStyle/>
           <a:p>
-            <a:pPr algn="ctr"/>
-            <a:r>
-              <a:rPr lang="en-US" dirty="0"/>
-              <a:t>How do I know if my data is normally distributed?</a:t>
+            <a:r>
+              <a:rPr lang="en-US" dirty="0"/>
+              <a:t>T-tests are powerful</a:t>
             </a:r>
           </a:p>
         </p:txBody>
@@ -6006,41 +6089,45 @@
         </p:nvSpPr>
         <p:spPr/>
         <p:txBody>
-          <a:bodyPr>
-            <a:normAutofit/>
-          </a:bodyPr>
-          <a:lstStyle/>
-          <a:p>
-            <a:r>
-              <a:rPr lang="en-US" sz="3600" dirty="0"/>
-              <a:t>There are more tests!</a:t>
-            </a:r>
-          </a:p>
-          <a:p>
-            <a:endParaRPr lang="en-US" sz="3600" dirty="0"/>
-          </a:p>
-          <a:p>
-            <a:r>
-              <a:rPr lang="en-US" sz="3600" dirty="0"/>
-              <a:t>We will cover these in more details for linear models because there are nuances</a:t>
+          <a:bodyPr/>
+          <a:lstStyle/>
+          <a:p>
+            <a:r>
+              <a:rPr lang="en-US" dirty="0"/>
+              <a:t>T-tests can be very powerful, paired t-tests can be more powerful than unpaired</a:t>
             </a:r>
           </a:p>
           <a:p>
             <a:pPr lvl="1"/>
             <a:r>
-              <a:rPr lang="en-US" sz="3600" dirty="0"/>
-              <a:t>these nuances primarily deal with something called the residuals</a:t>
-            </a:r>
-          </a:p>
-          <a:p>
-            <a:endParaRPr lang="en-US" sz="3600" dirty="0"/>
+              <a:rPr lang="en-US" i="1" dirty="0"/>
+              <a:t>Try changing the amount you adding or subtracting to each forest value, and then running the paired and unpaired tests. What do you find?</a:t>
+            </a:r>
+          </a:p>
+          <a:p>
+            <a:endParaRPr lang="en-US" dirty="0"/>
+          </a:p>
+          <a:p>
+            <a:r>
+              <a:rPr lang="en-US" dirty="0"/>
+              <a:t>We can see that our p-values for a t-test are more powerful than if we did a permutation</a:t>
+            </a:r>
+          </a:p>
+          <a:p>
+            <a:endParaRPr lang="en-US" dirty="0"/>
+          </a:p>
+          <a:p>
+            <a:r>
+              <a:rPr lang="en-US" dirty="0"/>
+              <a:t>But what about the assumptions?</a:t>
+            </a:r>
           </a:p>
         </p:txBody>
       </p:sp>
     </p:spTree>
     <p:extLst>
       <p:ext uri="{BB962C8B-B14F-4D97-AF65-F5344CB8AC3E}">
-        <p14:creationId xmlns:p14="http://schemas.microsoft.com/office/powerpoint/2010/main" val="338309575"/>
+        <p14:creationId xmlns:p14="http://schemas.microsoft.com/office/powerpoint/2010/main" val="650816266"/>
       </p:ext>
     </p:extLst>
   </p:cSld>
@@ -6082,9 +6169,10 @@
           <a:bodyPr/>
           <a:lstStyle/>
           <a:p>
-            <a:r>
-              <a:rPr lang="en-US" dirty="0"/>
-              <a:t>Shapiro-Wilk Test</a:t>
+            <a:pPr algn="ctr"/>
+            <a:r>
+              <a:rPr lang="en-US" dirty="0"/>
+              <a:t>How do I know if my data is normally distributed?</a:t>
             </a:r>
           </a:p>
         </p:txBody>
@@ -6102,57 +6190,40 @@
         <p:spPr/>
         <p:txBody>
           <a:bodyPr>
-            <a:normAutofit fontScale="47500" lnSpcReduction="20000"/>
+            <a:normAutofit/>
           </a:bodyPr>
           <a:lstStyle/>
           <a:p>
             <a:r>
-              <a:rPr lang="en-US" sz="5100" dirty="0"/>
-              <a:t>A test of normality  (for data or residuals)</a:t>
-            </a:r>
-          </a:p>
-          <a:p>
-            <a:endParaRPr lang="en-US" sz="5100" dirty="0"/>
-          </a:p>
-          <a:p>
-            <a:r>
-              <a:rPr lang="en-US" sz="5100" dirty="0"/>
-              <a:t>Tests the null hypothesis that a sample (e.g. your data) came from a normally distributed population</a:t>
-            </a:r>
-          </a:p>
-          <a:p>
-            <a:endParaRPr lang="en-US" sz="5100" dirty="0"/>
-          </a:p>
-          <a:p>
-            <a:r>
-              <a:rPr lang="en-US" sz="5100" i="1" u="sng" dirty="0"/>
-              <a:t>The null hypothesis is that the data are normally distributed</a:t>
-            </a:r>
-          </a:p>
-          <a:p>
-            <a:endParaRPr lang="en-US" sz="5100" i="1" dirty="0"/>
-          </a:p>
-          <a:p>
-            <a:r>
-              <a:rPr lang="en-US" sz="5100" dirty="0"/>
-              <a:t>A P-value &lt; 0.05 indicates that data are not normally distributed</a:t>
-            </a:r>
-          </a:p>
-          <a:p>
-            <a:endParaRPr lang="en-US" sz="5100" dirty="0"/>
-          </a:p>
-          <a:p>
-            <a:r>
-              <a:rPr lang="en-US" sz="5100" dirty="0"/>
-              <a:t>Some others that are less powerful: Anderson-Darling, Kolmogorov-Smirnov, Lilliefors (Go to R..)</a:t>
-            </a:r>
+              <a:rPr lang="en-US" sz="3600" dirty="0"/>
+              <a:t>There are more tests!</a:t>
+            </a:r>
+          </a:p>
+          <a:p>
+            <a:endParaRPr lang="en-US" sz="3600" dirty="0"/>
+          </a:p>
+          <a:p>
+            <a:r>
+              <a:rPr lang="en-US" sz="3600" dirty="0"/>
+              <a:t>We will cover these in more details for linear models because there are nuances</a:t>
+            </a:r>
+          </a:p>
+          <a:p>
+            <a:pPr lvl="1"/>
+            <a:r>
+              <a:rPr lang="en-US" sz="3600" dirty="0"/>
+              <a:t>these nuances primarily deal with something called the residuals</a:t>
+            </a:r>
+          </a:p>
+          <a:p>
+            <a:endParaRPr lang="en-US" sz="3600" dirty="0"/>
           </a:p>
         </p:txBody>
       </p:sp>
     </p:spTree>
     <p:extLst>
       <p:ext uri="{BB962C8B-B14F-4D97-AF65-F5344CB8AC3E}">
-        <p14:creationId xmlns:p14="http://schemas.microsoft.com/office/powerpoint/2010/main" val="597949227"/>
+        <p14:creationId xmlns:p14="http://schemas.microsoft.com/office/powerpoint/2010/main" val="338309575"/>
       </p:ext>
     </p:extLst>
   </p:cSld>
@@ -6196,7 +6267,7 @@
           <a:p>
             <a:r>
               <a:rPr lang="en-US" dirty="0"/>
-              <a:t>Pond nutrients</a:t>
+              <a:t>Shapiro-Wilk Test</a:t>
             </a:r>
           </a:p>
         </p:txBody>
@@ -6213,32 +6284,58 @@
         </p:nvSpPr>
         <p:spPr/>
         <p:txBody>
-          <a:bodyPr/>
-          <a:lstStyle/>
-          <a:p>
-            <a:r>
-              <a:rPr lang="en-US" dirty="0"/>
-              <a:t>We measure correlations between a species of algae and nitrogen and phosphorous levels in natural ponds. Thus, we have a data frame showing N, P and A (for algae).</a:t>
-            </a:r>
-          </a:p>
-          <a:p>
-            <a:endParaRPr lang="en-US" dirty="0"/>
-          </a:p>
-          <a:p>
-            <a:r>
-              <a:rPr lang="en-US" dirty="0"/>
-              <a:t>What kinds of tests could we do to see whether the algae are correlated with nutrient levels?</a:t>
-            </a:r>
-          </a:p>
-          <a:p>
-            <a:endParaRPr lang="en-US" dirty="0"/>
+          <a:bodyPr>
+            <a:normAutofit fontScale="47500" lnSpcReduction="20000"/>
+          </a:bodyPr>
+          <a:lstStyle/>
+          <a:p>
+            <a:r>
+              <a:rPr lang="en-US" sz="5100" dirty="0"/>
+              <a:t>A test of normality  (for data or residuals)</a:t>
+            </a:r>
+          </a:p>
+          <a:p>
+            <a:endParaRPr lang="en-US" sz="5100" dirty="0"/>
+          </a:p>
+          <a:p>
+            <a:r>
+              <a:rPr lang="en-US" sz="5100" dirty="0"/>
+              <a:t>Tests the null hypothesis that a sample (e.g. your data) came from a normally distributed population</a:t>
+            </a:r>
+          </a:p>
+          <a:p>
+            <a:endParaRPr lang="en-US" sz="5100" dirty="0"/>
+          </a:p>
+          <a:p>
+            <a:r>
+              <a:rPr lang="en-US" sz="5100" i="1" u="sng" dirty="0"/>
+              <a:t>The null hypothesis is that the data are normally distributed</a:t>
+            </a:r>
+          </a:p>
+          <a:p>
+            <a:endParaRPr lang="en-US" sz="5100" i="1" dirty="0"/>
+          </a:p>
+          <a:p>
+            <a:r>
+              <a:rPr lang="en-US" sz="5100" dirty="0"/>
+              <a:t>A P-value &lt; 0.05 indicates that data are not normally distributed</a:t>
+            </a:r>
+          </a:p>
+          <a:p>
+            <a:endParaRPr lang="en-US" sz="5100" dirty="0"/>
+          </a:p>
+          <a:p>
+            <a:r>
+              <a:rPr lang="en-US" sz="5100" dirty="0"/>
+              <a:t>Some others that are less powerful: Anderson-Darling, Kolmogorov-Smirnov, Lilliefors (Go to R..)</a:t>
+            </a:r>
           </a:p>
         </p:txBody>
       </p:sp>
     </p:spTree>
     <p:extLst>
       <p:ext uri="{BB962C8B-B14F-4D97-AF65-F5344CB8AC3E}">
-        <p14:creationId xmlns:p14="http://schemas.microsoft.com/office/powerpoint/2010/main" val="326081140"/>
+        <p14:creationId xmlns:p14="http://schemas.microsoft.com/office/powerpoint/2010/main" val="597949227"/>
       </p:ext>
     </p:extLst>
   </p:cSld>
@@ -6282,15 +6379,7 @@
           <a:p>
             <a:r>
               <a:rPr lang="en-US" dirty="0"/>
-              <a:t>Linear correlation </a:t>
-            </a:r>
-            <a:r>
-              <a:rPr lang="mr-IN" dirty="0"/>
-              <a:t>–</a:t>
-            </a:r>
-            <a:r>
-              <a:rPr lang="en-US" dirty="0"/>
-              <a:t> Pearson r correlation</a:t>
+              <a:t>Pond nutrients</a:t>
             </a:r>
           </a:p>
         </p:txBody>
@@ -6307,14 +6396,12 @@
         </p:nvSpPr>
         <p:spPr/>
         <p:txBody>
-          <a:bodyPr>
-            <a:normAutofit lnSpcReduction="10000"/>
-          </a:bodyPr>
-          <a:lstStyle/>
-          <a:p>
-            <a:r>
-              <a:rPr lang="en-US" dirty="0"/>
-              <a:t>Measures the degree of association between two variables</a:t>
+          <a:bodyPr/>
+          <a:lstStyle/>
+          <a:p>
+            <a:r>
+              <a:rPr lang="en-US" dirty="0"/>
+              <a:t>We measure correlations between a species of algae and nitrogen and phosphorous levels in natural ponds. Thus, we have a data frame showing N, P and A (for algae).</a:t>
             </a:r>
           </a:p>
           <a:p>
@@ -6323,64 +6410,18 @@
           <a:p>
             <a:r>
               <a:rPr lang="en-US" dirty="0"/>
-              <a:t>Gives you r which varies between -1 and 1. </a:t>
-            </a:r>
-          </a:p>
-          <a:p>
-            <a:pPr lvl="1"/>
-            <a:r>
-              <a:rPr lang="en-US" dirty="0"/>
-              <a:t>1 is a 1:1 relationship, so it gives you the strength of the linear correlation. </a:t>
+              <a:t>What kinds of tests could we do to see whether the algae are correlated with nutrient levels?</a:t>
             </a:r>
           </a:p>
           <a:p>
             <a:endParaRPr lang="en-US" dirty="0"/>
-          </a:p>
-          <a:p>
-            <a:r>
-              <a:rPr lang="en-US" dirty="0"/>
-              <a:t>Assumptions:</a:t>
-            </a:r>
-          </a:p>
-          <a:p>
-            <a:pPr lvl="1"/>
-            <a:r>
-              <a:rPr lang="en-US" b="1" u="sng" dirty="0"/>
-              <a:t>Both</a:t>
-            </a:r>
-            <a:r>
-              <a:rPr lang="en-US" dirty="0"/>
-              <a:t> variables are normally distributed</a:t>
-            </a:r>
-          </a:p>
-          <a:p>
-            <a:pPr lvl="1"/>
-            <a:r>
-              <a:rPr lang="en-US" dirty="0"/>
-              <a:t>Variables have a linear relationship (y = mx + b)</a:t>
-            </a:r>
-          </a:p>
-          <a:p>
-            <a:pPr lvl="1"/>
-            <a:r>
-              <a:rPr lang="en-US" dirty="0"/>
-              <a:t>Variables are equally distributed around a regression line (e.g. there isn’t bunching of the data in a given area </a:t>
-            </a:r>
-            <a:r>
-              <a:rPr lang="mr-IN" dirty="0"/>
-              <a:t>–</a:t>
-            </a:r>
-            <a:r>
-              <a:rPr lang="en-US" dirty="0"/>
-              <a:t> this is called homoscedasticity)</a:t>
-            </a:r>
           </a:p>
         </p:txBody>
       </p:sp>
     </p:spTree>
     <p:extLst>
       <p:ext uri="{BB962C8B-B14F-4D97-AF65-F5344CB8AC3E}">
-        <p14:creationId xmlns:p14="http://schemas.microsoft.com/office/powerpoint/2010/main" val="1079663477"/>
+        <p14:creationId xmlns:p14="http://schemas.microsoft.com/office/powerpoint/2010/main" val="326081140"/>
       </p:ext>
     </p:extLst>
   </p:cSld>
@@ -6422,10 +6463,17 @@
           <a:bodyPr/>
           <a:lstStyle/>
           <a:p>
-            <a:pPr algn="ctr"/>
-            <a:r>
-              <a:rPr lang="en-US" dirty="0"/>
-              <a:t>Non-linear? Test a correlation with Kendall Rank Correlation</a:t>
+            <a:r>
+              <a:rPr lang="en-US" dirty="0"/>
+              <a:t>Linear correlation </a:t>
+            </a:r>
+            <a:r>
+              <a:rPr lang="mr-IN" dirty="0"/>
+              <a:t>–</a:t>
+            </a:r>
+            <a:r>
+              <a:rPr lang="en-US" dirty="0"/>
+              <a:t> Pearson r correlation</a:t>
             </a:r>
           </a:p>
         </p:txBody>
@@ -6442,12 +6490,14 @@
         </p:nvSpPr>
         <p:spPr/>
         <p:txBody>
-          <a:bodyPr/>
-          <a:lstStyle/>
-          <a:p>
-            <a:r>
-              <a:rPr lang="en-US" dirty="0"/>
-              <a:t>Kendall rank correlation is a non-parametric test (e.g. non-normal, doesn’t need to be normally distributed)</a:t>
+          <a:bodyPr>
+            <a:normAutofit lnSpcReduction="10000"/>
+          </a:bodyPr>
+          <a:lstStyle/>
+          <a:p>
+            <a:r>
+              <a:rPr lang="en-US" dirty="0"/>
+              <a:t>Measures the degree of association between two variables</a:t>
             </a:r>
           </a:p>
           <a:p>
@@ -6456,7 +6506,14 @@
           <a:p>
             <a:r>
               <a:rPr lang="en-US" dirty="0"/>
-              <a:t>It ranks the order of things in your dataset and then measures the strength of dependence between two variables</a:t>
+              <a:t>Gives you r which varies between -1 and 1. </a:t>
+            </a:r>
+          </a:p>
+          <a:p>
+            <a:pPr lvl="1"/>
+            <a:r>
+              <a:rPr lang="en-US" dirty="0"/>
+              <a:t>1 is a 1:1 relationship, so it gives you the strength of the linear correlation. </a:t>
             </a:r>
           </a:p>
           <a:p>
@@ -6465,7 +6522,40 @@
           <a:p>
             <a:r>
               <a:rPr lang="en-US" dirty="0"/>
-              <a:t>It is less powerful, but still very useful</a:t>
+              <a:t>Assumptions:</a:t>
+            </a:r>
+          </a:p>
+          <a:p>
+            <a:pPr lvl="1"/>
+            <a:r>
+              <a:rPr lang="en-US" b="1" u="sng" dirty="0"/>
+              <a:t>Both</a:t>
+            </a:r>
+            <a:r>
+              <a:rPr lang="en-US" dirty="0"/>
+              <a:t> variables are normally distributed</a:t>
+            </a:r>
+          </a:p>
+          <a:p>
+            <a:pPr lvl="1"/>
+            <a:r>
+              <a:rPr lang="en-US" dirty="0"/>
+              <a:t>Variables have a linear relationship (y = mx + b)</a:t>
+            </a:r>
+          </a:p>
+          <a:p>
+            <a:pPr lvl="1"/>
+            <a:r>
+              <a:rPr lang="en-US" dirty="0"/>
+              <a:t>Variables are equally distributed around a regression line (e.g. there isn’t bunching of the data in a given area </a:t>
+            </a:r>
+            <a:r>
+              <a:rPr lang="mr-IN" dirty="0"/>
+              <a:t>–</a:t>
+            </a:r>
+            <a:r>
+              <a:rPr lang="en-US" dirty="0"/>
+              <a:t> this is called homoscedasticity)</a:t>
             </a:r>
           </a:p>
         </p:txBody>
@@ -6473,7 +6563,7 @@
     </p:spTree>
     <p:extLst>
       <p:ext uri="{BB962C8B-B14F-4D97-AF65-F5344CB8AC3E}">
-        <p14:creationId xmlns:p14="http://schemas.microsoft.com/office/powerpoint/2010/main" val="397136078"/>
+        <p14:creationId xmlns:p14="http://schemas.microsoft.com/office/powerpoint/2010/main" val="1079663477"/>
       </p:ext>
     </p:extLst>
   </p:cSld>
@@ -6607,9 +6697,10 @@
           <a:bodyPr/>
           <a:lstStyle/>
           <a:p>
-            <a:r>
-              <a:rPr lang="en-US" dirty="0"/>
-              <a:t>Note about testing correlations with tests</a:t>
+            <a:pPr algn="ctr"/>
+            <a:r>
+              <a:rPr lang="en-US" dirty="0"/>
+              <a:t>Non-linear? Test a correlation with Kendall Rank Correlation</a:t>
             </a:r>
           </a:p>
         </p:txBody>
@@ -6624,21 +6715,14 @@
             <p:ph idx="1"/>
           </p:nvPr>
         </p:nvSpPr>
-        <p:spPr>
-          <a:xfrm>
-            <a:off x="838200" y="1857156"/>
-            <a:ext cx="10515600" cy="4351338"/>
-          </a:xfrm>
-        </p:spPr>
-        <p:txBody>
-          <a:bodyPr>
-            <a:normAutofit/>
-          </a:bodyPr>
-          <a:lstStyle/>
-          <a:p>
-            <a:r>
-              <a:rPr lang="en-US" dirty="0"/>
-              <a:t>Correlational tests are useful for describing relationships between variables where we don’t have a strong a priori hypothesis about how one affects the others</a:t>
+        <p:spPr/>
+        <p:txBody>
+          <a:bodyPr/>
+          <a:lstStyle/>
+          <a:p>
+            <a:r>
+              <a:rPr lang="en-US" dirty="0"/>
+              <a:t>Kendall rank correlation is a non-parametric test (e.g. non-normal, doesn’t need to be normally distributed)</a:t>
             </a:r>
           </a:p>
           <a:p>
@@ -6647,31 +6731,24 @@
           <a:p>
             <a:r>
               <a:rPr lang="en-US" dirty="0"/>
-              <a:t>My opinion: When we have hypotheses about dependence, we should use models </a:t>
+              <a:t>It ranks the order of things in your dataset and then measures the strength of dependence between two variables</a:t>
             </a:r>
           </a:p>
           <a:p>
             <a:endParaRPr lang="en-US" dirty="0"/>
           </a:p>
           <a:p>
-            <a:endParaRPr lang="en-US" dirty="0"/>
-          </a:p>
-          <a:p>
-            <a:r>
-              <a:rPr lang="en-US" dirty="0"/>
-              <a:t>Go to R…</a:t>
-            </a:r>
-          </a:p>
-          <a:p>
-            <a:pPr lvl="1"/>
-            <a:endParaRPr lang="en-US" dirty="0"/>
+            <a:r>
+              <a:rPr lang="en-US" dirty="0"/>
+              <a:t>It is less powerful, but still very useful</a:t>
+            </a:r>
           </a:p>
         </p:txBody>
       </p:sp>
     </p:spTree>
     <p:extLst>
       <p:ext uri="{BB962C8B-B14F-4D97-AF65-F5344CB8AC3E}">
-        <p14:creationId xmlns:p14="http://schemas.microsoft.com/office/powerpoint/2010/main" val="1609073287"/>
+        <p14:creationId xmlns:p14="http://schemas.microsoft.com/office/powerpoint/2010/main" val="397136078"/>
       </p:ext>
     </p:extLst>
   </p:cSld>
@@ -6715,7 +6792,7 @@
           <a:p>
             <a:r>
               <a:rPr lang="en-US" dirty="0"/>
-              <a:t>Mantel test</a:t>
+              <a:t>Note about testing correlations with tests</a:t>
             </a:r>
           </a:p>
         </p:txBody>
@@ -6732,19 +6809,19 @@
         </p:nvSpPr>
         <p:spPr>
           <a:xfrm>
-            <a:off x="838200" y="1548384"/>
-            <a:ext cx="10515600" cy="4628579"/>
+            <a:off x="838200" y="1857156"/>
+            <a:ext cx="10515600" cy="4351338"/>
           </a:xfrm>
         </p:spPr>
         <p:txBody>
           <a:bodyPr>
-            <a:normAutofit fontScale="85000" lnSpcReduction="20000"/>
+            <a:normAutofit/>
           </a:bodyPr>
           <a:lstStyle/>
           <a:p>
             <a:r>
               <a:rPr lang="en-US" dirty="0"/>
-              <a:t>This is a statistical test of the correlation between two matrices of the same dimension</a:t>
+              <a:t>Correlational tests are useful for describing relationships between variables where we don’t have a strong a priori hypothesis about how one affects the others</a:t>
             </a:r>
           </a:p>
           <a:p>
@@ -6753,45 +6830,23 @@
           <a:p>
             <a:r>
               <a:rPr lang="en-US" dirty="0"/>
-              <a:t>They are most frequently used in ecology where the data are distances between objects</a:t>
+              <a:t>My opinion: When we have hypotheses about dependence, we should use models </a:t>
+            </a:r>
+          </a:p>
+          <a:p>
+            <a:endParaRPr lang="en-US" dirty="0"/>
+          </a:p>
+          <a:p>
+            <a:endParaRPr lang="en-US" dirty="0"/>
+          </a:p>
+          <a:p>
+            <a:r>
+              <a:rPr lang="en-US" dirty="0"/>
+              <a:t>Go to R…</a:t>
             </a:r>
           </a:p>
           <a:p>
             <a:pPr lvl="1"/>
-            <a:r>
-              <a:rPr lang="en-US" dirty="0"/>
-              <a:t>You might use a mantel test to see if your data are spatially autocorrelated</a:t>
-            </a:r>
-          </a:p>
-          <a:p>
-            <a:endParaRPr lang="en-US" dirty="0"/>
-          </a:p>
-          <a:p>
-            <a:r>
-              <a:rPr lang="en-US" dirty="0"/>
-              <a:t>For example, you might have one dataset which is a matrix of genetic distances, and one matrix with geographic distances between the range of species to each other species</a:t>
-            </a:r>
-          </a:p>
-          <a:p>
-            <a:endParaRPr lang="en-US" dirty="0"/>
-          </a:p>
-          <a:p>
-            <a:r>
-              <a:rPr lang="en-US" dirty="0"/>
-              <a:t>Here is some helpful info on how to do one: </a:t>
-            </a:r>
-            <a:r>
-              <a:rPr lang="en-US" dirty="0">
-                <a:hlinkClick r:id="rId2"/>
-              </a:rPr>
-              <a:t>https://stats.idre.ucla.edu/r/faq/how-can-i-perform-a-mantel-test-in-r/</a:t>
-            </a:r>
-            <a:r>
-              <a:rPr lang="en-US" dirty="0"/>
-              <a:t> </a:t>
-            </a:r>
-          </a:p>
-          <a:p>
             <a:endParaRPr lang="en-US" dirty="0"/>
           </a:p>
         </p:txBody>
@@ -6799,7 +6854,7 @@
     </p:spTree>
     <p:extLst>
       <p:ext uri="{BB962C8B-B14F-4D97-AF65-F5344CB8AC3E}">
-        <p14:creationId xmlns:p14="http://schemas.microsoft.com/office/powerpoint/2010/main" val="416448812"/>
+        <p14:creationId xmlns:p14="http://schemas.microsoft.com/office/powerpoint/2010/main" val="1609073287"/>
       </p:ext>
     </p:extLst>
   </p:cSld>
@@ -6843,7 +6898,7 @@
           <a:p>
             <a:r>
               <a:rPr lang="en-US" dirty="0"/>
-              <a:t>Fisher’s exact test</a:t>
+              <a:t>Mantel test</a:t>
             </a:r>
           </a:p>
         </p:txBody>
@@ -6858,14 +6913,21 @@
             <p:ph idx="1"/>
           </p:nvPr>
         </p:nvSpPr>
-        <p:spPr/>
-        <p:txBody>
-          <a:bodyPr/>
-          <a:lstStyle/>
-          <a:p>
-            <a:r>
-              <a:rPr lang="en-US" dirty="0"/>
-              <a:t>The fisher’s exact test is a test to analyze contingency tables (e.g. 2 x 2) tables of categorical count data</a:t>
+        <p:spPr>
+          <a:xfrm>
+            <a:off x="838200" y="1548384"/>
+            <a:ext cx="10515600" cy="4628579"/>
+          </a:xfrm>
+        </p:spPr>
+        <p:txBody>
+          <a:bodyPr>
+            <a:normAutofit fontScale="85000" lnSpcReduction="20000"/>
+          </a:bodyPr>
+          <a:lstStyle/>
+          <a:p>
+            <a:r>
+              <a:rPr lang="en-US" dirty="0"/>
+              <a:t>This is a statistical test of the correlation between two matrices of the same dimension</a:t>
             </a:r>
           </a:p>
           <a:p>
@@ -6874,17 +6936,42 @@
           <a:p>
             <a:r>
               <a:rPr lang="en-US" dirty="0"/>
-              <a:t>It’s good for small samples and unbalanced designs (e.g. the numbers in each group are not equal)</a:t>
-            </a:r>
-            <a:br>
-              <a:rPr lang="en-US" dirty="0"/>
-            </a:br>
+              <a:t>They are most frequently used in ecology where the data are distances between objects</a:t>
+            </a:r>
+          </a:p>
+          <a:p>
+            <a:pPr lvl="1"/>
+            <a:r>
+              <a:rPr lang="en-US" dirty="0"/>
+              <a:t>You might use a mantel test to see if your data are spatially autocorrelated</a:t>
+            </a:r>
+          </a:p>
+          <a:p>
             <a:endParaRPr lang="en-US" dirty="0"/>
           </a:p>
           <a:p>
             <a:r>
               <a:rPr lang="en-US" dirty="0"/>
-              <a:t>It uses a quasi-permutation approach to calculate an exact p-value</a:t>
+              <a:t>For example, you might have one dataset which is a matrix of genetic distances, and one matrix with geographic distances between the range of species to each other species</a:t>
+            </a:r>
+          </a:p>
+          <a:p>
+            <a:endParaRPr lang="en-US" dirty="0"/>
+          </a:p>
+          <a:p>
+            <a:r>
+              <a:rPr lang="en-US" dirty="0"/>
+              <a:t>Here is some helpful info on how to do one: </a:t>
+            </a:r>
+            <a:r>
+              <a:rPr lang="en-US" dirty="0">
+                <a:hlinkClick r:id="rId2"/>
+              </a:rPr>
+              <a:t>https://stats.idre.ucla.edu/r/faq/how-can-i-perform-a-mantel-test-in-r/</a:t>
+            </a:r>
+            <a:r>
+              <a:rPr lang="en-US" dirty="0"/>
+              <a:t> </a:t>
             </a:r>
           </a:p>
           <a:p>
@@ -6895,7 +6982,7 @@
     </p:spTree>
     <p:extLst>
       <p:ext uri="{BB962C8B-B14F-4D97-AF65-F5344CB8AC3E}">
-        <p14:creationId xmlns:p14="http://schemas.microsoft.com/office/powerpoint/2010/main" val="174052823"/>
+        <p14:creationId xmlns:p14="http://schemas.microsoft.com/office/powerpoint/2010/main" val="416448812"/>
       </p:ext>
     </p:extLst>
   </p:cSld>
@@ -6938,59 +7025,60 @@
           <a:lstStyle/>
           <a:p>
             <a:r>
-              <a:rPr lang="en-US"/>
-              <a:t>Fisher test example</a:t>
-            </a:r>
+              <a:rPr lang="en-US" dirty="0"/>
+              <a:t>Fisher’s exact test</a:t>
+            </a:r>
+          </a:p>
+        </p:txBody>
+      </p:sp>
+      <p:sp>
+        <p:nvSpPr>
+          <p:cNvPr id="3" name="Content Placeholder 2"/>
+          <p:cNvSpPr>
+            <a:spLocks noGrp="1"/>
+          </p:cNvSpPr>
+          <p:nvPr>
+            <p:ph idx="1"/>
+          </p:nvPr>
+        </p:nvSpPr>
+        <p:spPr/>
+        <p:txBody>
+          <a:bodyPr/>
+          <a:lstStyle/>
+          <a:p>
+            <a:r>
+              <a:rPr lang="en-US" dirty="0"/>
+              <a:t>The fisher’s exact test is a test to analyze contingency tables (e.g. 2 x 2) tables of categorical count data</a:t>
+            </a:r>
+          </a:p>
+          <a:p>
             <a:endParaRPr lang="en-US" dirty="0"/>
           </a:p>
-        </p:txBody>
-      </p:sp>
-      <p:sp>
-        <p:nvSpPr>
-          <p:cNvPr id="3" name="Content Placeholder 2"/>
-          <p:cNvSpPr>
-            <a:spLocks noGrp="1"/>
-          </p:cNvSpPr>
-          <p:nvPr>
-            <p:ph idx="1"/>
-          </p:nvPr>
-        </p:nvSpPr>
-        <p:spPr/>
-        <p:txBody>
-          <a:bodyPr>
-            <a:normAutofit fontScale="92500" lnSpcReduction="10000"/>
-          </a:bodyPr>
-          <a:lstStyle/>
-          <a:p>
-            <a:r>
-              <a:rPr lang="en-US" dirty="0"/>
-              <a:t>Pinnacles National Park has two different entrances that are unconnected. We went to the east side of Pinnacles 11 times, and 10 of 11 times we saw condors. We went to the west side of Pinnacle 8 times, and 1 of 8 times we saw condors. Is there a statistically significant difference in condor sightings? </a:t>
-            </a:r>
-          </a:p>
-          <a:p>
+          <a:p>
+            <a:r>
+              <a:rPr lang="en-US" dirty="0"/>
+              <a:t>It’s good for small samples and unbalanced designs (e.g. the numbers in each group are not equal)</a:t>
+            </a:r>
+            <a:br>
+              <a:rPr lang="en-US" dirty="0"/>
+            </a:br>
             <a:endParaRPr lang="en-US" dirty="0"/>
           </a:p>
           <a:p>
             <a:r>
               <a:rPr lang="en-US" dirty="0"/>
-              <a:t>Interpretation: Null hypothesis is that the probability is equal. A p-value &lt; 0.05 tells you that the east and west sides differ in the probability of detecting condors</a:t>
+              <a:t>It uses a quasi-permutation approach to calculate an exact p-value</a:t>
             </a:r>
           </a:p>
           <a:p>
             <a:endParaRPr lang="en-US" dirty="0"/>
-          </a:p>
-          <a:p>
-            <a:r>
-              <a:rPr lang="en-US" dirty="0"/>
-              <a:t>Go to R…</a:t>
-            </a:r>
           </a:p>
         </p:txBody>
       </p:sp>
     </p:spTree>
     <p:extLst>
       <p:ext uri="{BB962C8B-B14F-4D97-AF65-F5344CB8AC3E}">
-        <p14:creationId xmlns:p14="http://schemas.microsoft.com/office/powerpoint/2010/main" val="459422531"/>
+        <p14:creationId xmlns:p14="http://schemas.microsoft.com/office/powerpoint/2010/main" val="174052823"/>
       </p:ext>
     </p:extLst>
   </p:cSld>
@@ -7033,6 +7121,101 @@
           <a:lstStyle/>
           <a:p>
             <a:r>
+              <a:rPr lang="en-US"/>
+              <a:t>Fisher test example</a:t>
+            </a:r>
+            <a:endParaRPr lang="en-US" dirty="0"/>
+          </a:p>
+        </p:txBody>
+      </p:sp>
+      <p:sp>
+        <p:nvSpPr>
+          <p:cNvPr id="3" name="Content Placeholder 2"/>
+          <p:cNvSpPr>
+            <a:spLocks noGrp="1"/>
+          </p:cNvSpPr>
+          <p:nvPr>
+            <p:ph idx="1"/>
+          </p:nvPr>
+        </p:nvSpPr>
+        <p:spPr/>
+        <p:txBody>
+          <a:bodyPr>
+            <a:normAutofit fontScale="92500" lnSpcReduction="10000"/>
+          </a:bodyPr>
+          <a:lstStyle/>
+          <a:p>
+            <a:r>
+              <a:rPr lang="en-US" dirty="0"/>
+              <a:t>Pinnacles National Park has two different entrances that are unconnected. We went to the east side of Pinnacles 11 times, and 10 of 11 times we saw condors. We went to the west side of Pinnacle 8 times, and 1 of 8 times we saw condors. Is there a statistically significant difference in condor sightings? </a:t>
+            </a:r>
+          </a:p>
+          <a:p>
+            <a:endParaRPr lang="en-US" dirty="0"/>
+          </a:p>
+          <a:p>
+            <a:r>
+              <a:rPr lang="en-US" dirty="0"/>
+              <a:t>Interpretation: Null hypothesis is that the probability is equal. A p-value &lt; 0.05 tells you that the east and west sides differ in the probability of detecting condors</a:t>
+            </a:r>
+          </a:p>
+          <a:p>
+            <a:endParaRPr lang="en-US" dirty="0"/>
+          </a:p>
+          <a:p>
+            <a:r>
+              <a:rPr lang="en-US" dirty="0"/>
+              <a:t>Go to R…</a:t>
+            </a:r>
+          </a:p>
+        </p:txBody>
+      </p:sp>
+    </p:spTree>
+    <p:extLst>
+      <p:ext uri="{BB962C8B-B14F-4D97-AF65-F5344CB8AC3E}">
+        <p14:creationId xmlns:p14="http://schemas.microsoft.com/office/powerpoint/2010/main" val="459422531"/>
+      </p:ext>
+    </p:extLst>
+  </p:cSld>
+  <p:clrMapOvr>
+    <a:masterClrMapping/>
+  </p:clrMapOvr>
+</p:sld>
+</file>
+
+<file path=ppt/slides/slide35.xml><?xml version="1.0" encoding="utf-8"?>
+<p:sld xmlns:a="http://schemas.openxmlformats.org/drawingml/2006/main" xmlns:r="http://schemas.openxmlformats.org/officeDocument/2006/relationships" xmlns:p="http://schemas.openxmlformats.org/presentationml/2006/main">
+  <p:cSld>
+    <p:spTree>
+      <p:nvGrpSpPr>
+        <p:cNvPr id="1" name=""/>
+        <p:cNvGrpSpPr/>
+        <p:nvPr/>
+      </p:nvGrpSpPr>
+      <p:grpSpPr>
+        <a:xfrm>
+          <a:off x="0" y="0"/>
+          <a:ext cx="0" cy="0"/>
+          <a:chOff x="0" y="0"/>
+          <a:chExt cx="0" cy="0"/>
+        </a:xfrm>
+      </p:grpSpPr>
+      <p:sp>
+        <p:nvSpPr>
+          <p:cNvPr id="2" name="Title 1"/>
+          <p:cNvSpPr>
+            <a:spLocks noGrp="1"/>
+          </p:cNvSpPr>
+          <p:nvPr>
+            <p:ph type="title"/>
+          </p:nvPr>
+        </p:nvSpPr>
+        <p:spPr/>
+        <p:txBody>
+          <a:bodyPr/>
+          <a:lstStyle/>
+          <a:p>
+            <a:r>
               <a:rPr lang="en-US" dirty="0"/>
               <a:t>Rank tests</a:t>
             </a:r>
@@ -7148,7 +7331,7 @@
 </p:sld>
 </file>
 
-<file path=ppt/slides/slide35.xml><?xml version="1.0" encoding="utf-8"?>
+<file path=ppt/slides/slide36.xml><?xml version="1.0" encoding="utf-8"?>
 <p:sld xmlns:a="http://schemas.openxmlformats.org/drawingml/2006/main" xmlns:r="http://schemas.openxmlformats.org/officeDocument/2006/relationships" xmlns:p="http://schemas.openxmlformats.org/presentationml/2006/main">
   <p:cSld>
     <p:spTree>

--- a/lectures/week_5_tests/le_5_tests.pptx
+++ b/lectures/week_5_tests/le_5_tests.pptx
@@ -5,7 +5,7 @@
     <p:sldMasterId id="2147483648" r:id="rId1"/>
   </p:sldMasterIdLst>
   <p:notesMasterIdLst>
-    <p:notesMasterId r:id="rId38"/>
+    <p:notesMasterId r:id="rId39"/>
   </p:notesMasterIdLst>
   <p:sldIdLst>
     <p:sldId id="256" r:id="rId2"/>
@@ -40,10 +40,11 @@
     <p:sldId id="296" r:id="rId31"/>
     <p:sldId id="297" r:id="rId32"/>
     <p:sldId id="274" r:id="rId33"/>
-    <p:sldId id="275" r:id="rId34"/>
-    <p:sldId id="299" r:id="rId35"/>
-    <p:sldId id="304" r:id="rId36"/>
-    <p:sldId id="303" r:id="rId37"/>
+    <p:sldId id="308" r:id="rId34"/>
+    <p:sldId id="275" r:id="rId35"/>
+    <p:sldId id="299" r:id="rId36"/>
+    <p:sldId id="304" r:id="rId37"/>
+    <p:sldId id="303" r:id="rId38"/>
   </p:sldIdLst>
   <p:sldSz cx="12192000" cy="6858000"/>
   <p:notesSz cx="6858000" cy="9144000"/>
@@ -232,7 +233,7 @@
           <a:p>
             <a:fld id="{6EBC5869-D15C-3840-B050-90A5C35E6518}" type="datetimeFigureOut">
               <a:rPr lang="en-US" smtClean="0"/>
-              <a:t>2/13/24</a:t>
+              <a:t>2/15/24</a:t>
             </a:fld>
             <a:endParaRPr lang="en-US"/>
           </a:p>
@@ -1099,7 +1100,7 @@
           <a:p>
             <a:fld id="{3FFC207A-36A1-3243-A33F-1510AFB24BC1}" type="slidenum">
               <a:rPr lang="en-US" smtClean="0"/>
-              <a:t>35</a:t>
+              <a:t>36</a:t>
             </a:fld>
             <a:endParaRPr lang="en-US"/>
           </a:p>
@@ -1247,7 +1248,7 @@
           <a:p>
             <a:fld id="{7D5693D1-C5E8-7D40-8B0E-476CF8AD55E4}" type="datetimeFigureOut">
               <a:rPr lang="en-US" smtClean="0"/>
-              <a:t>2/13/24</a:t>
+              <a:t>2/15/24</a:t>
             </a:fld>
             <a:endParaRPr lang="en-US"/>
           </a:p>
@@ -1415,7 +1416,7 @@
           <a:p>
             <a:fld id="{7D5693D1-C5E8-7D40-8B0E-476CF8AD55E4}" type="datetimeFigureOut">
               <a:rPr lang="en-US" smtClean="0"/>
-              <a:t>2/13/24</a:t>
+              <a:t>2/15/24</a:t>
             </a:fld>
             <a:endParaRPr lang="en-US"/>
           </a:p>
@@ -1593,7 +1594,7 @@
           <a:p>
             <a:fld id="{7D5693D1-C5E8-7D40-8B0E-476CF8AD55E4}" type="datetimeFigureOut">
               <a:rPr lang="en-US" smtClean="0"/>
-              <a:t>2/13/24</a:t>
+              <a:t>2/15/24</a:t>
             </a:fld>
             <a:endParaRPr lang="en-US"/>
           </a:p>
@@ -1761,7 +1762,7 @@
           <a:p>
             <a:fld id="{7D5693D1-C5E8-7D40-8B0E-476CF8AD55E4}" type="datetimeFigureOut">
               <a:rPr lang="en-US" smtClean="0"/>
-              <a:t>2/13/24</a:t>
+              <a:t>2/15/24</a:t>
             </a:fld>
             <a:endParaRPr lang="en-US"/>
           </a:p>
@@ -2006,7 +2007,7 @@
           <a:p>
             <a:fld id="{7D5693D1-C5E8-7D40-8B0E-476CF8AD55E4}" type="datetimeFigureOut">
               <a:rPr lang="en-US" smtClean="0"/>
-              <a:t>2/13/24</a:t>
+              <a:t>2/15/24</a:t>
             </a:fld>
             <a:endParaRPr lang="en-US"/>
           </a:p>
@@ -2235,7 +2236,7 @@
           <a:p>
             <a:fld id="{7D5693D1-C5E8-7D40-8B0E-476CF8AD55E4}" type="datetimeFigureOut">
               <a:rPr lang="en-US" smtClean="0"/>
-              <a:t>2/13/24</a:t>
+              <a:t>2/15/24</a:t>
             </a:fld>
             <a:endParaRPr lang="en-US"/>
           </a:p>
@@ -2599,7 +2600,7 @@
           <a:p>
             <a:fld id="{7D5693D1-C5E8-7D40-8B0E-476CF8AD55E4}" type="datetimeFigureOut">
               <a:rPr lang="en-US" smtClean="0"/>
-              <a:t>2/13/24</a:t>
+              <a:t>2/15/24</a:t>
             </a:fld>
             <a:endParaRPr lang="en-US"/>
           </a:p>
@@ -2716,7 +2717,7 @@
           <a:p>
             <a:fld id="{7D5693D1-C5E8-7D40-8B0E-476CF8AD55E4}" type="datetimeFigureOut">
               <a:rPr lang="en-US" smtClean="0"/>
-              <a:t>2/13/24</a:t>
+              <a:t>2/15/24</a:t>
             </a:fld>
             <a:endParaRPr lang="en-US"/>
           </a:p>
@@ -2811,7 +2812,7 @@
           <a:p>
             <a:fld id="{7D5693D1-C5E8-7D40-8B0E-476CF8AD55E4}" type="datetimeFigureOut">
               <a:rPr lang="en-US" smtClean="0"/>
-              <a:t>2/13/24</a:t>
+              <a:t>2/15/24</a:t>
             </a:fld>
             <a:endParaRPr lang="en-US"/>
           </a:p>
@@ -3086,7 +3087,7 @@
           <a:p>
             <a:fld id="{7D5693D1-C5E8-7D40-8B0E-476CF8AD55E4}" type="datetimeFigureOut">
               <a:rPr lang="en-US" smtClean="0"/>
-              <a:t>2/13/24</a:t>
+              <a:t>2/15/24</a:t>
             </a:fld>
             <a:endParaRPr lang="en-US"/>
           </a:p>
@@ -3338,7 +3339,7 @@
           <a:p>
             <a:fld id="{7D5693D1-C5E8-7D40-8B0E-476CF8AD55E4}" type="datetimeFigureOut">
               <a:rPr lang="en-US" smtClean="0"/>
-              <a:t>2/13/24</a:t>
+              <a:t>2/15/24</a:t>
             </a:fld>
             <a:endParaRPr lang="en-US"/>
           </a:p>
@@ -3549,7 +3550,7 @@
           <a:p>
             <a:fld id="{7D5693D1-C5E8-7D40-8B0E-476CF8AD55E4}" type="datetimeFigureOut">
               <a:rPr lang="en-US" smtClean="0"/>
-              <a:t>2/13/24</a:t>
+              <a:t>2/15/24</a:t>
             </a:fld>
             <a:endParaRPr lang="en-US"/>
           </a:p>
@@ -5389,7 +5390,7 @@
             </a:r>
             <a:r>
               <a:rPr lang="en-US" dirty="0"/>
-              <a:t>: Distributions; Thursday Feb 23rd : Exercise &amp; Practice, No assignment! Quiz!</a:t>
+              <a:t>: Distributions; Thursday Feb 22nd : Exercise &amp; Practice, No assignment! Quiz!</a:t>
             </a:r>
           </a:p>
           <a:p>
@@ -5484,7 +5485,7 @@
             <a:pPr lvl="1"/>
             <a:r>
               <a:rPr lang="en-US" dirty="0"/>
-              <a:t>Thurs Mar 17</a:t>
+              <a:t>Thurs Mar 14</a:t>
             </a:r>
             <a:r>
               <a:rPr lang="en-US" baseline="30000" dirty="0"/>
@@ -7011,7 +7012,13 @@
       </p:grpSpPr>
       <p:sp>
         <p:nvSpPr>
-          <p:cNvPr id="2" name="Title 1"/>
+          <p:cNvPr id="2" name="Title 1">
+            <a:extLst>
+              <a:ext uri="{FF2B5EF4-FFF2-40B4-BE49-F238E27FC236}">
+                <a16:creationId xmlns:a16="http://schemas.microsoft.com/office/drawing/2014/main" id="{6C34F447-9258-3717-3A9E-85297EEC15F7}"/>
+              </a:ext>
+            </a:extLst>
+          </p:cNvPr>
           <p:cNvSpPr>
             <a:spLocks noGrp="1"/>
           </p:cNvSpPr>
@@ -7026,14 +7033,20 @@
           <a:p>
             <a:r>
               <a:rPr lang="en-US" dirty="0"/>
-              <a:t>Fisher’s exact test</a:t>
-            </a:r>
-          </a:p>
-        </p:txBody>
-      </p:sp>
-      <p:sp>
-        <p:nvSpPr>
-          <p:cNvPr id="3" name="Content Placeholder 2"/>
+              <a:t>Housekeeping! </a:t>
+            </a:r>
+          </a:p>
+        </p:txBody>
+      </p:sp>
+      <p:sp>
+        <p:nvSpPr>
+          <p:cNvPr id="3" name="Content Placeholder 2">
+            <a:extLst>
+              <a:ext uri="{FF2B5EF4-FFF2-40B4-BE49-F238E27FC236}">
+                <a16:creationId xmlns:a16="http://schemas.microsoft.com/office/drawing/2014/main" id="{C651EFF7-8AD3-C6FB-78B4-E86BFD75299F}"/>
+              </a:ext>
+            </a:extLst>
+          </p:cNvPr>
           <p:cNvSpPr>
             <a:spLocks noGrp="1"/>
           </p:cNvSpPr>
@@ -7048,37 +7061,101 @@
           <a:p>
             <a:r>
               <a:rPr lang="en-US" dirty="0"/>
-              <a:t>The fisher’s exact test is a test to analyze contingency tables (e.g. 2 x 2) tables of categorical count data</a:t>
-            </a:r>
-          </a:p>
-          <a:p>
+              <a:t>Add </a:t>
+            </a:r>
+            <a:r>
+              <a:rPr lang="en-US" dirty="0" err="1"/>
+              <a:t>nicholelaggan</a:t>
+            </a:r>
+            <a:r>
+              <a:rPr lang="en-US" dirty="0"/>
+              <a:t> to your GitHub repo!!</a:t>
+            </a:r>
+          </a:p>
+          <a:p>
+            <a:pPr marL="0" indent="0">
+              <a:buNone/>
+            </a:pPr>
             <a:endParaRPr lang="en-US" dirty="0"/>
           </a:p>
           <a:p>
-            <a:r>
-              <a:rPr lang="en-US" dirty="0"/>
-              <a:t>It’s good for small samples and unbalanced designs (e.g. the numbers in each group are not equal)</a:t>
-            </a:r>
-            <a:br>
-              <a:rPr lang="en-US" dirty="0"/>
-            </a:br>
-            <a:endParaRPr lang="en-US" dirty="0"/>
-          </a:p>
-          <a:p>
-            <a:r>
-              <a:rPr lang="en-US" dirty="0"/>
-              <a:t>It uses a quasi-permutation approach to calculate an exact p-value</a:t>
-            </a:r>
-          </a:p>
-          <a:p>
-            <a:endParaRPr lang="en-US" dirty="0"/>
+            <a:pPr marL="514350" indent="-514350">
+              <a:buAutoNum type="arabicPeriod"/>
+            </a:pPr>
+            <a:r>
+              <a:rPr lang="en-US" b="1" dirty="0"/>
+              <a:t>Go to your </a:t>
+            </a:r>
+            <a:r>
+              <a:rPr lang="en-US" b="1" dirty="0" err="1"/>
+              <a:t>Github</a:t>
+            </a:r>
+            <a:r>
+              <a:rPr lang="en-US" b="1" dirty="0"/>
+              <a:t> repo</a:t>
+            </a:r>
+          </a:p>
+          <a:p>
+            <a:pPr marL="514350" indent="-514350">
+              <a:buAutoNum type="arabicPeriod"/>
+            </a:pPr>
+            <a:r>
+              <a:rPr lang="en-US" b="1" dirty="0"/>
+              <a:t>Click Settings </a:t>
+            </a:r>
+            <a:r>
+              <a:rPr lang="en-US" b="1" dirty="0">
+                <a:sym typeface="Wingdings" pitchFamily="2" charset="2"/>
+              </a:rPr>
+              <a:t> </a:t>
+            </a:r>
+            <a:r>
+              <a:rPr lang="en-US" b="1" dirty="0"/>
+              <a:t>collaborators and team </a:t>
+            </a:r>
+            <a:r>
+              <a:rPr lang="en-US" b="1" dirty="0">
+                <a:sym typeface="Wingdings" pitchFamily="2" charset="2"/>
+              </a:rPr>
+              <a:t> add people</a:t>
+            </a:r>
+            <a:endParaRPr lang="en-US" b="1" dirty="0"/>
+          </a:p>
+          <a:p>
+            <a:pPr marL="514350" indent="-514350">
+              <a:buAutoNum type="arabicPeriod"/>
+            </a:pPr>
+            <a:r>
+              <a:rPr lang="en-US" b="1" dirty="0"/>
+              <a:t>Search for </a:t>
+            </a:r>
+            <a:r>
+              <a:rPr lang="en-US" b="1" dirty="0" err="1"/>
+              <a:t>nicholelaggan</a:t>
+            </a:r>
+            <a:endParaRPr lang="en-US" b="1" dirty="0"/>
+          </a:p>
+          <a:p>
+            <a:pPr marL="514350" indent="-514350">
+              <a:buAutoNum type="arabicPeriod"/>
+            </a:pPr>
+            <a:r>
+              <a:rPr lang="en-US" b="1" dirty="0"/>
+              <a:t>Authorize Admin access</a:t>
+            </a:r>
+          </a:p>
+          <a:p>
+            <a:pPr marL="0" indent="0">
+              <a:buNone/>
+            </a:pPr>
+            <a:endParaRPr lang="en-US" b="1" dirty="0"/>
           </a:p>
         </p:txBody>
       </p:sp>
     </p:spTree>
     <p:extLst>
       <p:ext uri="{BB962C8B-B14F-4D97-AF65-F5344CB8AC3E}">
-        <p14:creationId xmlns:p14="http://schemas.microsoft.com/office/powerpoint/2010/main" val="174052823"/>
+        <p14:creationId xmlns:p14="http://schemas.microsoft.com/office/powerpoint/2010/main" val="4084582457"/>
       </p:ext>
     </p:extLst>
   </p:cSld>
@@ -7121,59 +7198,60 @@
           <a:lstStyle/>
           <a:p>
             <a:r>
-              <a:rPr lang="en-US"/>
-              <a:t>Fisher test example</a:t>
-            </a:r>
+              <a:rPr lang="en-US" dirty="0"/>
+              <a:t>Fisher’s exact test</a:t>
+            </a:r>
+          </a:p>
+        </p:txBody>
+      </p:sp>
+      <p:sp>
+        <p:nvSpPr>
+          <p:cNvPr id="3" name="Content Placeholder 2"/>
+          <p:cNvSpPr>
+            <a:spLocks noGrp="1"/>
+          </p:cNvSpPr>
+          <p:nvPr>
+            <p:ph idx="1"/>
+          </p:nvPr>
+        </p:nvSpPr>
+        <p:spPr/>
+        <p:txBody>
+          <a:bodyPr/>
+          <a:lstStyle/>
+          <a:p>
+            <a:r>
+              <a:rPr lang="en-US" dirty="0"/>
+              <a:t>The fisher’s exact test is a test to analyze contingency tables (e.g. 2 x 2) tables of categorical count data</a:t>
+            </a:r>
+          </a:p>
+          <a:p>
             <a:endParaRPr lang="en-US" dirty="0"/>
           </a:p>
-        </p:txBody>
-      </p:sp>
-      <p:sp>
-        <p:nvSpPr>
-          <p:cNvPr id="3" name="Content Placeholder 2"/>
-          <p:cNvSpPr>
-            <a:spLocks noGrp="1"/>
-          </p:cNvSpPr>
-          <p:nvPr>
-            <p:ph idx="1"/>
-          </p:nvPr>
-        </p:nvSpPr>
-        <p:spPr/>
-        <p:txBody>
-          <a:bodyPr>
-            <a:normAutofit fontScale="92500" lnSpcReduction="10000"/>
-          </a:bodyPr>
-          <a:lstStyle/>
-          <a:p>
-            <a:r>
-              <a:rPr lang="en-US" dirty="0"/>
-              <a:t>Pinnacles National Park has two different entrances that are unconnected. We went to the east side of Pinnacles 11 times, and 10 of 11 times we saw condors. We went to the west side of Pinnacle 8 times, and 1 of 8 times we saw condors. Is there a statistically significant difference in condor sightings? </a:t>
-            </a:r>
-          </a:p>
-          <a:p>
+          <a:p>
+            <a:r>
+              <a:rPr lang="en-US" dirty="0"/>
+              <a:t>It’s good for small samples and unbalanced designs (e.g. the numbers in each group are not equal)</a:t>
+            </a:r>
+            <a:br>
+              <a:rPr lang="en-US" dirty="0"/>
+            </a:br>
             <a:endParaRPr lang="en-US" dirty="0"/>
           </a:p>
           <a:p>
             <a:r>
               <a:rPr lang="en-US" dirty="0"/>
-              <a:t>Interpretation: Null hypothesis is that the probability is equal. A p-value &lt; 0.05 tells you that the east and west sides differ in the probability of detecting condors</a:t>
+              <a:t>It uses a quasi-permutation approach to calculate an exact p-value</a:t>
             </a:r>
           </a:p>
           <a:p>
             <a:endParaRPr lang="en-US" dirty="0"/>
-          </a:p>
-          <a:p>
-            <a:r>
-              <a:rPr lang="en-US" dirty="0"/>
-              <a:t>Go to R…</a:t>
-            </a:r>
           </a:p>
         </p:txBody>
       </p:sp>
     </p:spTree>
     <p:extLst>
       <p:ext uri="{BB962C8B-B14F-4D97-AF65-F5344CB8AC3E}">
-        <p14:creationId xmlns:p14="http://schemas.microsoft.com/office/powerpoint/2010/main" val="459422531"/>
+        <p14:creationId xmlns:p14="http://schemas.microsoft.com/office/powerpoint/2010/main" val="174052823"/>
       </p:ext>
     </p:extLst>
   </p:cSld>
@@ -7216,6 +7294,101 @@
           <a:lstStyle/>
           <a:p>
             <a:r>
+              <a:rPr lang="en-US"/>
+              <a:t>Fisher test example</a:t>
+            </a:r>
+            <a:endParaRPr lang="en-US" dirty="0"/>
+          </a:p>
+        </p:txBody>
+      </p:sp>
+      <p:sp>
+        <p:nvSpPr>
+          <p:cNvPr id="3" name="Content Placeholder 2"/>
+          <p:cNvSpPr>
+            <a:spLocks noGrp="1"/>
+          </p:cNvSpPr>
+          <p:nvPr>
+            <p:ph idx="1"/>
+          </p:nvPr>
+        </p:nvSpPr>
+        <p:spPr/>
+        <p:txBody>
+          <a:bodyPr>
+            <a:normAutofit fontScale="92500" lnSpcReduction="10000"/>
+          </a:bodyPr>
+          <a:lstStyle/>
+          <a:p>
+            <a:r>
+              <a:rPr lang="en-US" dirty="0"/>
+              <a:t>Pinnacles National Park has two different entrances that are unconnected. We went to the east side of Pinnacles 11 times, and 10 of 11 times we saw condors. We went to the west side of Pinnacle 8 times, and 1 of 8 times we saw condors. Is there a statistically significant difference in condor sightings? </a:t>
+            </a:r>
+          </a:p>
+          <a:p>
+            <a:endParaRPr lang="en-US" dirty="0"/>
+          </a:p>
+          <a:p>
+            <a:r>
+              <a:rPr lang="en-US" dirty="0"/>
+              <a:t>Interpretation: Null hypothesis is that the probability is equal. A p-value &lt; 0.05 tells you that the east and west sides differ in the probability of detecting condors</a:t>
+            </a:r>
+          </a:p>
+          <a:p>
+            <a:endParaRPr lang="en-US" dirty="0"/>
+          </a:p>
+          <a:p>
+            <a:r>
+              <a:rPr lang="en-US" dirty="0"/>
+              <a:t>Go to R…</a:t>
+            </a:r>
+          </a:p>
+        </p:txBody>
+      </p:sp>
+    </p:spTree>
+    <p:extLst>
+      <p:ext uri="{BB962C8B-B14F-4D97-AF65-F5344CB8AC3E}">
+        <p14:creationId xmlns:p14="http://schemas.microsoft.com/office/powerpoint/2010/main" val="459422531"/>
+      </p:ext>
+    </p:extLst>
+  </p:cSld>
+  <p:clrMapOvr>
+    <a:masterClrMapping/>
+  </p:clrMapOvr>
+</p:sld>
+</file>
+
+<file path=ppt/slides/slide36.xml><?xml version="1.0" encoding="utf-8"?>
+<p:sld xmlns:a="http://schemas.openxmlformats.org/drawingml/2006/main" xmlns:r="http://schemas.openxmlformats.org/officeDocument/2006/relationships" xmlns:p="http://schemas.openxmlformats.org/presentationml/2006/main">
+  <p:cSld>
+    <p:spTree>
+      <p:nvGrpSpPr>
+        <p:cNvPr id="1" name=""/>
+        <p:cNvGrpSpPr/>
+        <p:nvPr/>
+      </p:nvGrpSpPr>
+      <p:grpSpPr>
+        <a:xfrm>
+          <a:off x="0" y="0"/>
+          <a:ext cx="0" cy="0"/>
+          <a:chOff x="0" y="0"/>
+          <a:chExt cx="0" cy="0"/>
+        </a:xfrm>
+      </p:grpSpPr>
+      <p:sp>
+        <p:nvSpPr>
+          <p:cNvPr id="2" name="Title 1"/>
+          <p:cNvSpPr>
+            <a:spLocks noGrp="1"/>
+          </p:cNvSpPr>
+          <p:nvPr>
+            <p:ph type="title"/>
+          </p:nvPr>
+        </p:nvSpPr>
+        <p:spPr/>
+        <p:txBody>
+          <a:bodyPr/>
+          <a:lstStyle/>
+          <a:p>
+            <a:r>
               <a:rPr lang="en-US" dirty="0"/>
               <a:t>Rank tests</a:t>
             </a:r>
@@ -7331,7 +7504,7 @@
 </p:sld>
 </file>
 
-<file path=ppt/slides/slide36.xml><?xml version="1.0" encoding="utf-8"?>
+<file path=ppt/slides/slide37.xml><?xml version="1.0" encoding="utf-8"?>
 <p:sld xmlns:a="http://schemas.openxmlformats.org/drawingml/2006/main" xmlns:r="http://schemas.openxmlformats.org/officeDocument/2006/relationships" xmlns:p="http://schemas.openxmlformats.org/presentationml/2006/main">
   <p:cSld>
     <p:spTree>
